--- a/문서/스토리보드.pptx
+++ b/문서/스토리보드.pptx
@@ -1,8 +1,8 @@
 
 <file path=ppt/presentation.xml><?xml version="1.0" encoding="utf-8"?>
-<p:presentation xmlns:a="http://schemas.openxmlformats.org/drawingml/2006/main" xmlns:r="http://schemas.openxmlformats.org/officeDocument/2006/relationships" xmlns:p="http://schemas.openxmlformats.org/presentationml/2006/main" saveSubsetFonts="1">
+<p:presentation xmlns:r="http://schemas.openxmlformats.org/officeDocument/2006/relationships" xmlns:c="http://schemas.openxmlformats.org/drawingml/2006/chart" xmlns:a="http://schemas.openxmlformats.org/drawingml/2006/main" xmlns:dgm="http://schemas.openxmlformats.org/drawingml/2006/diagram" xmlns:dsp="http://schemas.microsoft.com/office/drawing/2008/diagram" xmlns:p="http://schemas.openxmlformats.org/presentationml/2006/main">
   <p:sldMasterIdLst>
-    <p:sldMasterId id="2147483648" r:id="rId1"/>
+    <p:sldMasterId id="2147483661" r:id="rId1"/>
   </p:sldMasterIdLst>
   <p:sldIdLst>
     <p:sldId id="256" r:id="rId2"/>
@@ -2951,7 +2951,7 @@
 </file>
 
 <file path=ppt/slides/slide1.xml><?xml version="1.0" encoding="utf-8"?>
-<p:sld xmlns:a="http://schemas.openxmlformats.org/drawingml/2006/main" xmlns:r="http://schemas.openxmlformats.org/officeDocument/2006/relationships" xmlns:p="http://schemas.openxmlformats.org/presentationml/2006/main">
+<p:sld xmlns:r="http://schemas.openxmlformats.org/officeDocument/2006/relationships" xmlns:c="http://schemas.openxmlformats.org/drawingml/2006/chart" xmlns:a="http://schemas.openxmlformats.org/drawingml/2006/main" xmlns:dgm="http://schemas.openxmlformats.org/drawingml/2006/diagram" xmlns:dsp="http://schemas.microsoft.com/office/drawing/2008/diagram" xmlns:p="http://schemas.openxmlformats.org/presentationml/2006/main">
   <p:cSld>
     <p:spTree>
       <p:nvGrpSpPr>
@@ -2969,26 +2969,20 @@
       </p:grpSpPr>
       <p:sp>
         <p:nvSpPr>
-          <p:cNvPr id="5" name="타원 111">
-            <a:extLst>
-              <a:ext uri="{FF2B5EF4-FFF2-40B4-BE49-F238E27FC236}">
-                <a16:creationId xmlns:a16="http://schemas.microsoft.com/office/drawing/2014/main" xmlns="" id="{2C0A3EB2-8298-41F4-B111-07E2A7D4A126}"/>
-              </a:ext>
-            </a:extLst>
-          </p:cNvPr>
+          <p:cNvPr id="8" name="타원 7"/>
           <p:cNvSpPr/>
           <p:nvPr/>
         </p:nvSpPr>
         <p:spPr>
           <a:xfrm>
-            <a:off x="2608202" y="1942693"/>
+            <a:off x="8480426" y="1668463"/>
             <a:ext cx="214313" cy="214312"/>
           </a:xfrm>
           <a:prstGeom prst="ellipse">
             <a:avLst/>
           </a:prstGeom>
           <a:solidFill>
-            <a:srgbClr val="FF0000"/>
+            <a:srgbClr val="ff0000"/>
           </a:solidFill>
           <a:ln>
             <a:noFill/>
@@ -3020,39 +3014,504 @@
               <a:defRPr/>
             </a:pPr>
             <a:r>
-              <a:rPr lang="en-US" altLang="ko-KR" b="1" dirty="0">
-                <a:latin typeface="Verdana" pitchFamily="34" charset="0"/>
+              <a:rPr lang="en-US" altLang="ko-KR" b="1">
+                <a:latin typeface="Verdana"/>
               </a:rPr>
               <a:t>1</a:t>
             </a:r>
-            <a:endParaRPr lang="ko-KR" altLang="en-US" b="1" dirty="0">
-              <a:latin typeface="Verdana" pitchFamily="34" charset="0"/>
+            <a:endParaRPr lang="ko-KR" altLang="en-US" b="1">
+              <a:latin typeface="Verdana"/>
             </a:endParaRPr>
           </a:p>
         </p:txBody>
       </p:sp>
       <p:sp>
         <p:nvSpPr>
-          <p:cNvPr id="6" name="타원 119">
-            <a:extLst>
-              <a:ext uri="{FF2B5EF4-FFF2-40B4-BE49-F238E27FC236}">
-                <a16:creationId xmlns:a16="http://schemas.microsoft.com/office/drawing/2014/main" xmlns="" id="{F33F8DB9-7D40-4E4C-867B-7531A08A2B5F}"/>
-              </a:ext>
-            </a:extLst>
-          </p:cNvPr>
+          <p:cNvPr id="9" name="TextBox 4"/>
+          <p:cNvSpPr txBox="1">
+            <a:spLocks noChangeArrowheads="1"/>
+          </p:cNvSpPr>
+          <p:nvPr/>
+        </p:nvSpPr>
+        <p:spPr>
+          <a:xfrm>
+            <a:off x="8666163" y="1579564"/>
+            <a:ext cx="1127232" cy="544765"/>
+          </a:xfrm>
+          <a:prstGeom prst="rect">
+            <a:avLst/>
+          </a:prstGeom>
+          <a:noFill/>
+          <a:ln>
+            <a:noFill/>
+          </a:ln>
+        </p:spPr>
+        <p:txBody>
+          <a:bodyPr wrap="none">
+            <a:spAutoFit/>
+          </a:bodyPr>
+          <a:lstStyle>
+            <a:lvl1pPr latinLnBrk="1">
+              <a:spcBef>
+                <a:spcPct val="20000"/>
+              </a:spcBef>
+              <a:buFont typeface="Arial"/>
+              <a:buChar char="•"/>
+              <a:defRPr sz="3200">
+                <a:solidFill>
+                  <a:schemeClr val="tx1"/>
+                </a:solidFill>
+                <a:latin typeface="Arial"/>
+              </a:defRPr>
+            </a:lvl1pPr>
+            <a:lvl2pPr marL="742950" indent="-285750" latinLnBrk="1">
+              <a:spcBef>
+                <a:spcPct val="20000"/>
+              </a:spcBef>
+              <a:buFont typeface="Arial"/>
+              <a:buChar char="–"/>
+              <a:defRPr sz="2800">
+                <a:solidFill>
+                  <a:schemeClr val="tx1"/>
+                </a:solidFill>
+                <a:latin typeface="Arial"/>
+              </a:defRPr>
+            </a:lvl2pPr>
+            <a:lvl3pPr marL="1143000" indent="-228600" latinLnBrk="1">
+              <a:spcBef>
+                <a:spcPct val="20000"/>
+              </a:spcBef>
+              <a:buFont typeface="Arial"/>
+              <a:buChar char="•"/>
+              <a:defRPr sz="2400">
+                <a:solidFill>
+                  <a:schemeClr val="tx1"/>
+                </a:solidFill>
+                <a:latin typeface="Arial"/>
+              </a:defRPr>
+            </a:lvl3pPr>
+            <a:lvl4pPr marL="1600200" indent="-228600" latinLnBrk="1">
+              <a:spcBef>
+                <a:spcPct val="20000"/>
+              </a:spcBef>
+              <a:buFont typeface="Arial"/>
+              <a:buChar char="–"/>
+              <a:defRPr sz="2000">
+                <a:solidFill>
+                  <a:schemeClr val="tx1"/>
+                </a:solidFill>
+                <a:latin typeface="Arial"/>
+              </a:defRPr>
+            </a:lvl4pPr>
+            <a:lvl5pPr marL="2057400" indent="-228600" latinLnBrk="1">
+              <a:spcBef>
+                <a:spcPct val="20000"/>
+              </a:spcBef>
+              <a:buFont typeface="Arial"/>
+              <a:buChar char="»"/>
+              <a:defRPr sz="2000">
+                <a:solidFill>
+                  <a:schemeClr val="tx1"/>
+                </a:solidFill>
+                <a:latin typeface="Arial"/>
+              </a:defRPr>
+            </a:lvl5pPr>
+            <a:lvl6pPr marL="2514600" indent="-228600" eaLnBrk="0" fontAlgn="base" hangingPunct="0">
+              <a:spcBef>
+                <a:spcPct val="20000"/>
+              </a:spcBef>
+              <a:spcAft>
+                <a:spcPct val="0"/>
+              </a:spcAft>
+              <a:buFont typeface="Arial"/>
+              <a:buChar char="»"/>
+              <a:defRPr sz="2000">
+                <a:solidFill>
+                  <a:schemeClr val="tx1"/>
+                </a:solidFill>
+                <a:latin typeface="Arial"/>
+              </a:defRPr>
+            </a:lvl6pPr>
+            <a:lvl7pPr marL="2971800" indent="-228600" eaLnBrk="0" fontAlgn="base" hangingPunct="0">
+              <a:spcBef>
+                <a:spcPct val="20000"/>
+              </a:spcBef>
+              <a:spcAft>
+                <a:spcPct val="0"/>
+              </a:spcAft>
+              <a:buFont typeface="Arial"/>
+              <a:buChar char="»"/>
+              <a:defRPr sz="2000">
+                <a:solidFill>
+                  <a:schemeClr val="tx1"/>
+                </a:solidFill>
+                <a:latin typeface="Arial"/>
+              </a:defRPr>
+            </a:lvl7pPr>
+            <a:lvl8pPr marL="3429000" indent="-228600" eaLnBrk="0" fontAlgn="base" hangingPunct="0">
+              <a:spcBef>
+                <a:spcPct val="20000"/>
+              </a:spcBef>
+              <a:spcAft>
+                <a:spcPct val="0"/>
+              </a:spcAft>
+              <a:buFont typeface="Arial"/>
+              <a:buChar char="»"/>
+              <a:defRPr sz="2000">
+                <a:solidFill>
+                  <a:schemeClr val="tx1"/>
+                </a:solidFill>
+                <a:latin typeface="Arial"/>
+              </a:defRPr>
+            </a:lvl8pPr>
+            <a:lvl9pPr marL="3886200" indent="-228600" eaLnBrk="0" fontAlgn="base" hangingPunct="0">
+              <a:spcBef>
+                <a:spcPct val="20000"/>
+              </a:spcBef>
+              <a:spcAft>
+                <a:spcPct val="0"/>
+              </a:spcAft>
+              <a:buFont typeface="Arial"/>
+              <a:buChar char="»"/>
+              <a:defRPr sz="2000">
+                <a:solidFill>
+                  <a:schemeClr val="tx1"/>
+                </a:solidFill>
+                <a:latin typeface="Arial"/>
+              </a:defRPr>
+            </a:lvl9pPr>
+          </a:lstStyle>
+          <a:p>
+            <a:pPr eaLnBrk="1" hangingPunct="1">
+              <a:lnSpc>
+                <a:spcPct val="140000"/>
+              </a:lnSpc>
+              <a:spcBef>
+                <a:spcPct val="0"/>
+              </a:spcBef>
+              <a:buFontTx/>
+              <a:buNone/>
+              <a:defRPr/>
+            </a:pPr>
+            <a:r>
+              <a:rPr lang="ko-KR" altLang="en-US" sz="1100" b="1">
+                <a:latin typeface="맑은 고딕"/>
+                <a:ea typeface="맑은 고딕"/>
+              </a:rPr>
+              <a:t>프로젝트 메인</a:t>
+            </a:r>
+            <a:endParaRPr lang="ko-KR" altLang="en-US" sz="1100" b="1">
+              <a:latin typeface="맑은 고딕"/>
+              <a:ea typeface="맑은 고딕"/>
+            </a:endParaRPr>
+          </a:p>
+          <a:p>
+            <a:pPr eaLnBrk="1" hangingPunct="1">
+              <a:lnSpc>
+                <a:spcPct val="140000"/>
+              </a:lnSpc>
+              <a:spcBef>
+                <a:spcPct val="0"/>
+              </a:spcBef>
+              <a:buFontTx/>
+              <a:buNone/>
+              <a:defRPr/>
+            </a:pPr>
+            <a:r>
+              <a:rPr lang="ko-KR" altLang="en-US" sz="1000">
+                <a:latin typeface="맑은 고딕"/>
+                <a:ea typeface="맑은 고딕"/>
+              </a:rPr>
+              <a:t>프로젝트의 메인</a:t>
+            </a:r>
+            <a:endParaRPr lang="en-US" altLang="ko-KR" sz="1000">
+              <a:latin typeface="맑은 고딕"/>
+              <a:ea typeface="맑은 고딕"/>
+            </a:endParaRPr>
+          </a:p>
+        </p:txBody>
+      </p:sp>
+      <p:sp>
+        <p:nvSpPr>
+          <p:cNvPr id="10" name="타원 9"/>
           <p:cNvSpPr/>
           <p:nvPr/>
         </p:nvSpPr>
         <p:spPr>
           <a:xfrm>
-            <a:off x="2968242" y="4378712"/>
+            <a:off x="8480426" y="2471738"/>
             <a:ext cx="214313" cy="214312"/>
           </a:xfrm>
           <a:prstGeom prst="ellipse">
             <a:avLst/>
           </a:prstGeom>
           <a:solidFill>
-            <a:srgbClr val="FF0000"/>
+            <a:srgbClr val="ff0000"/>
+          </a:solidFill>
+          <a:ln>
+            <a:noFill/>
+          </a:ln>
+        </p:spPr>
+        <p:style>
+          <a:lnRef idx="2">
+            <a:schemeClr val="accent1">
+              <a:shade val="50000"/>
+            </a:schemeClr>
+          </a:lnRef>
+          <a:fillRef idx="1">
+            <a:schemeClr val="accent1"/>
+          </a:fillRef>
+          <a:effectRef idx="0">
+            <a:schemeClr val="accent1"/>
+          </a:effectRef>
+          <a:fontRef idx="minor">
+            <a:schemeClr val="lt1"/>
+          </a:fontRef>
+        </p:style>
+        <p:txBody>
+          <a:bodyPr lIns="0" tIns="0" rIns="0" bIns="0" anchor="ctr">
+            <a:normAutofit fontScale="62500" lnSpcReduction="20000"/>
+          </a:bodyPr>
+          <a:lstStyle/>
+          <a:p>
+            <a:pPr algn="ctr">
+              <a:defRPr/>
+            </a:pPr>
+            <a:r>
+              <a:rPr lang="en-US" altLang="ko-KR" b="1">
+                <a:latin typeface="Verdana"/>
+              </a:rPr>
+              <a:t>2</a:t>
+            </a:r>
+            <a:endParaRPr lang="ko-KR" altLang="en-US" b="1">
+              <a:latin typeface="Verdana"/>
+            </a:endParaRPr>
+          </a:p>
+        </p:txBody>
+      </p:sp>
+      <p:sp>
+        <p:nvSpPr>
+          <p:cNvPr id="11" name="TextBox 4"/>
+          <p:cNvSpPr txBox="1">
+            <a:spLocks noChangeArrowheads="1"/>
+          </p:cNvSpPr>
+          <p:nvPr/>
+        </p:nvSpPr>
+        <p:spPr>
+          <a:xfrm>
+            <a:off x="8666163" y="2457450"/>
+            <a:ext cx="2341562" cy="415498"/>
+          </a:xfrm>
+          <a:prstGeom prst="rect">
+            <a:avLst/>
+          </a:prstGeom>
+          <a:noFill/>
+          <a:ln>
+            <a:noFill/>
+          </a:ln>
+        </p:spPr>
+        <p:txBody>
+          <a:bodyPr>
+            <a:spAutoFit/>
+          </a:bodyPr>
+          <a:lstStyle>
+            <a:lvl1pPr latinLnBrk="1">
+              <a:spcBef>
+                <a:spcPct val="20000"/>
+              </a:spcBef>
+              <a:buFont typeface="Arial"/>
+              <a:buChar char="•"/>
+              <a:defRPr sz="3200">
+                <a:solidFill>
+                  <a:schemeClr val="tx1"/>
+                </a:solidFill>
+                <a:latin typeface="Arial"/>
+              </a:defRPr>
+            </a:lvl1pPr>
+            <a:lvl2pPr marL="742950" indent="-285750" latinLnBrk="1">
+              <a:spcBef>
+                <a:spcPct val="20000"/>
+              </a:spcBef>
+              <a:buFont typeface="Arial"/>
+              <a:buChar char="–"/>
+              <a:defRPr sz="2800">
+                <a:solidFill>
+                  <a:schemeClr val="tx1"/>
+                </a:solidFill>
+                <a:latin typeface="Arial"/>
+              </a:defRPr>
+            </a:lvl2pPr>
+            <a:lvl3pPr marL="1143000" indent="-228600" latinLnBrk="1">
+              <a:spcBef>
+                <a:spcPct val="20000"/>
+              </a:spcBef>
+              <a:buFont typeface="Arial"/>
+              <a:buChar char="•"/>
+              <a:defRPr sz="2400">
+                <a:solidFill>
+                  <a:schemeClr val="tx1"/>
+                </a:solidFill>
+                <a:latin typeface="Arial"/>
+              </a:defRPr>
+            </a:lvl3pPr>
+            <a:lvl4pPr marL="1600200" indent="-228600" latinLnBrk="1">
+              <a:spcBef>
+                <a:spcPct val="20000"/>
+              </a:spcBef>
+              <a:buFont typeface="Arial"/>
+              <a:buChar char="–"/>
+              <a:defRPr sz="2000">
+                <a:solidFill>
+                  <a:schemeClr val="tx1"/>
+                </a:solidFill>
+                <a:latin typeface="Arial"/>
+              </a:defRPr>
+            </a:lvl4pPr>
+            <a:lvl5pPr marL="2057400" indent="-228600" latinLnBrk="1">
+              <a:spcBef>
+                <a:spcPct val="20000"/>
+              </a:spcBef>
+              <a:buFont typeface="Arial"/>
+              <a:buChar char="»"/>
+              <a:defRPr sz="2000">
+                <a:solidFill>
+                  <a:schemeClr val="tx1"/>
+                </a:solidFill>
+                <a:latin typeface="Arial"/>
+              </a:defRPr>
+            </a:lvl5pPr>
+            <a:lvl6pPr marL="2514600" indent="-228600" eaLnBrk="0" fontAlgn="base" hangingPunct="0">
+              <a:spcBef>
+                <a:spcPct val="20000"/>
+              </a:spcBef>
+              <a:spcAft>
+                <a:spcPct val="0"/>
+              </a:spcAft>
+              <a:buFont typeface="Arial"/>
+              <a:buChar char="»"/>
+              <a:defRPr sz="2000">
+                <a:solidFill>
+                  <a:schemeClr val="tx1"/>
+                </a:solidFill>
+                <a:latin typeface="Arial"/>
+              </a:defRPr>
+            </a:lvl6pPr>
+            <a:lvl7pPr marL="2971800" indent="-228600" eaLnBrk="0" fontAlgn="base" hangingPunct="0">
+              <a:spcBef>
+                <a:spcPct val="20000"/>
+              </a:spcBef>
+              <a:spcAft>
+                <a:spcPct val="0"/>
+              </a:spcAft>
+              <a:buFont typeface="Arial"/>
+              <a:buChar char="»"/>
+              <a:defRPr sz="2000">
+                <a:solidFill>
+                  <a:schemeClr val="tx1"/>
+                </a:solidFill>
+                <a:latin typeface="Arial"/>
+              </a:defRPr>
+            </a:lvl7pPr>
+            <a:lvl8pPr marL="3429000" indent="-228600" eaLnBrk="0" fontAlgn="base" hangingPunct="0">
+              <a:spcBef>
+                <a:spcPct val="20000"/>
+              </a:spcBef>
+              <a:spcAft>
+                <a:spcPct val="0"/>
+              </a:spcAft>
+              <a:buFont typeface="Arial"/>
+              <a:buChar char="»"/>
+              <a:defRPr sz="2000">
+                <a:solidFill>
+                  <a:schemeClr val="tx1"/>
+                </a:solidFill>
+                <a:latin typeface="Arial"/>
+              </a:defRPr>
+            </a:lvl8pPr>
+            <a:lvl9pPr marL="3886200" indent="-228600" eaLnBrk="0" fontAlgn="base" hangingPunct="0">
+              <a:spcBef>
+                <a:spcPct val="20000"/>
+              </a:spcBef>
+              <a:spcAft>
+                <a:spcPct val="0"/>
+              </a:spcAft>
+              <a:buFont typeface="Arial"/>
+              <a:buChar char="»"/>
+              <a:defRPr sz="2000">
+                <a:solidFill>
+                  <a:schemeClr val="tx1"/>
+                </a:solidFill>
+                <a:latin typeface="Arial"/>
+              </a:defRPr>
+            </a:lvl9pPr>
+          </a:lstStyle>
+          <a:p>
+            <a:pPr eaLnBrk="1" hangingPunct="1">
+              <a:spcBef>
+                <a:spcPct val="0"/>
+              </a:spcBef>
+              <a:buFontTx/>
+              <a:buNone/>
+              <a:defRPr/>
+            </a:pPr>
+            <a:r>
+              <a:rPr lang="ko-KR" altLang="en-US" sz="1100" b="1">
+                <a:latin typeface="맑은 고딕"/>
+                <a:ea typeface="맑은 고딕"/>
+              </a:rPr>
+              <a:t>사용자 정보입력</a:t>
+            </a:r>
+            <a:endParaRPr lang="ko-KR" altLang="en-US" sz="1100" b="1">
+              <a:latin typeface="맑은 고딕"/>
+              <a:ea typeface="맑은 고딕"/>
+            </a:endParaRPr>
+          </a:p>
+          <a:p>
+            <a:pPr eaLnBrk="1" hangingPunct="1">
+              <a:spcBef>
+                <a:spcPct val="0"/>
+              </a:spcBef>
+              <a:buFontTx/>
+              <a:buNone/>
+              <a:defRPr/>
+            </a:pPr>
+            <a:r>
+              <a:rPr lang="ko-KR" altLang="en-US" sz="1000">
+                <a:latin typeface="맑은 고딕"/>
+                <a:ea typeface="맑은 고딕"/>
+              </a:rPr>
+              <a:t>사용자의 정보를 입력받는다</a:t>
+            </a:r>
+            <a:r>
+              <a:rPr lang="en-US" altLang="ko-KR" sz="1000">
+                <a:latin typeface="맑은 고딕"/>
+                <a:ea typeface="맑은 고딕"/>
+              </a:rPr>
+              <a:t>.</a:t>
+            </a:r>
+            <a:endParaRPr lang="ko-KR" altLang="en-US" sz="1000">
+              <a:latin typeface="맑은 고딕"/>
+              <a:ea typeface="맑은 고딕"/>
+            </a:endParaRPr>
+          </a:p>
+        </p:txBody>
+      </p:sp>
+      <p:sp>
+        <p:nvSpPr>
+          <p:cNvPr id="12" name="타원 11"/>
+          <p:cNvSpPr/>
+          <p:nvPr/>
+        </p:nvSpPr>
+        <p:spPr>
+          <a:xfrm>
+            <a:off x="8480426" y="3244851"/>
+            <a:ext cx="214313" cy="214313"/>
+          </a:xfrm>
+          <a:prstGeom prst="ellipse">
+            <a:avLst/>
+          </a:prstGeom>
+          <a:solidFill>
+            <a:srgbClr val="ff0000"/>
           </a:solidFill>
           <a:ln>
             <a:noFill/>
@@ -3084,8 +3543,8 @@
                 <a:solidFill>
                   <a:schemeClr val="tx1"/>
                 </a:solidFill>
-                <a:latin typeface="굴림" panose="020B0600000101010101" pitchFamily="50" charset="-127"/>
-                <a:ea typeface="굴림" panose="020B0600000101010101" pitchFamily="50" charset="-127"/>
+                <a:latin typeface="굴림"/>
+                <a:ea typeface="굴림"/>
               </a:defRPr>
             </a:lvl1pPr>
             <a:lvl2pPr marL="742950" indent="-285750" algn="l" eaLnBrk="0" hangingPunct="0">
@@ -3093,8 +3552,8 @@
                 <a:solidFill>
                   <a:schemeClr val="tx1"/>
                 </a:solidFill>
-                <a:latin typeface="굴림" panose="020B0600000101010101" pitchFamily="50" charset="-127"/>
-                <a:ea typeface="굴림" panose="020B0600000101010101" pitchFamily="50" charset="-127"/>
+                <a:latin typeface="굴림"/>
+                <a:ea typeface="굴림"/>
               </a:defRPr>
             </a:lvl2pPr>
             <a:lvl3pPr marL="1143000" indent="-228600" algn="l" eaLnBrk="0" hangingPunct="0">
@@ -3102,8 +3561,8 @@
                 <a:solidFill>
                   <a:schemeClr val="tx1"/>
                 </a:solidFill>
-                <a:latin typeface="굴림" panose="020B0600000101010101" pitchFamily="50" charset="-127"/>
-                <a:ea typeface="굴림" panose="020B0600000101010101" pitchFamily="50" charset="-127"/>
+                <a:latin typeface="굴림"/>
+                <a:ea typeface="굴림"/>
               </a:defRPr>
             </a:lvl3pPr>
             <a:lvl4pPr marL="1600200" indent="-228600" algn="l" eaLnBrk="0" hangingPunct="0">
@@ -3111,8 +3570,8 @@
                 <a:solidFill>
                   <a:schemeClr val="tx1"/>
                 </a:solidFill>
-                <a:latin typeface="굴림" panose="020B0600000101010101" pitchFamily="50" charset="-127"/>
-                <a:ea typeface="굴림" panose="020B0600000101010101" pitchFamily="50" charset="-127"/>
+                <a:latin typeface="굴림"/>
+                <a:ea typeface="굴림"/>
               </a:defRPr>
             </a:lvl4pPr>
             <a:lvl5pPr marL="2057400" indent="-228600" algn="l" eaLnBrk="0" hangingPunct="0">
@@ -3120,8 +3579,8 @@
                 <a:solidFill>
                   <a:schemeClr val="tx1"/>
                 </a:solidFill>
-                <a:latin typeface="굴림" panose="020B0600000101010101" pitchFamily="50" charset="-127"/>
-                <a:ea typeface="굴림" panose="020B0600000101010101" pitchFamily="50" charset="-127"/>
+                <a:latin typeface="굴림"/>
+                <a:ea typeface="굴림"/>
               </a:defRPr>
             </a:lvl5pPr>
             <a:lvl6pPr marL="2514600" indent="-228600" eaLnBrk="0" fontAlgn="base" hangingPunct="0">
@@ -3135,8 +3594,8 @@
                 <a:solidFill>
                   <a:schemeClr val="tx1"/>
                 </a:solidFill>
-                <a:latin typeface="굴림" panose="020B0600000101010101" pitchFamily="50" charset="-127"/>
-                <a:ea typeface="굴림" panose="020B0600000101010101" pitchFamily="50" charset="-127"/>
+                <a:latin typeface="굴림"/>
+                <a:ea typeface="굴림"/>
               </a:defRPr>
             </a:lvl6pPr>
             <a:lvl7pPr marL="2971800" indent="-228600" eaLnBrk="0" fontAlgn="base" hangingPunct="0">
@@ -3150,8 +3609,8 @@
                 <a:solidFill>
                   <a:schemeClr val="tx1"/>
                 </a:solidFill>
-                <a:latin typeface="굴림" panose="020B0600000101010101" pitchFamily="50" charset="-127"/>
-                <a:ea typeface="굴림" panose="020B0600000101010101" pitchFamily="50" charset="-127"/>
+                <a:latin typeface="굴림"/>
+                <a:ea typeface="굴림"/>
               </a:defRPr>
             </a:lvl7pPr>
             <a:lvl8pPr marL="3429000" indent="-228600" eaLnBrk="0" fontAlgn="base" hangingPunct="0">
@@ -3165,8 +3624,8 @@
                 <a:solidFill>
                   <a:schemeClr val="tx1"/>
                 </a:solidFill>
-                <a:latin typeface="굴림" panose="020B0600000101010101" pitchFamily="50" charset="-127"/>
-                <a:ea typeface="굴림" panose="020B0600000101010101" pitchFamily="50" charset="-127"/>
+                <a:latin typeface="굴림"/>
+                <a:ea typeface="굴림"/>
               </a:defRPr>
             </a:lvl8pPr>
             <a:lvl9pPr marL="3886200" indent="-228600" eaLnBrk="0" fontAlgn="base" hangingPunct="0">
@@ -3180,8 +3639,8 @@
                 <a:solidFill>
                   <a:schemeClr val="tx1"/>
                 </a:solidFill>
-                <a:latin typeface="굴림" panose="020B0600000101010101" pitchFamily="50" charset="-127"/>
-                <a:ea typeface="굴림" panose="020B0600000101010101" pitchFamily="50" charset="-127"/>
+                <a:latin typeface="굴림"/>
+                <a:ea typeface="굴림"/>
               </a:defRPr>
             </a:lvl9pPr>
           </a:lstStyle>
@@ -3190,841 +3649,19 @@
               <a:defRPr/>
             </a:pPr>
             <a:r>
-              <a:rPr kumimoji="0" lang="en-US" altLang="ko-KR" b="1" dirty="0">
-                <a:solidFill>
-                  <a:srgbClr val="FFFFFF"/>
-                </a:solidFill>
-                <a:latin typeface="Verdana" panose="020B0604030504040204" pitchFamily="34" charset="0"/>
+              <a:rPr kumimoji="0" lang="en-US" altLang="ko-KR" b="1">
+                <a:solidFill>
+                  <a:srgbClr val="ffffff"/>
+                </a:solidFill>
+                <a:latin typeface="Verdana"/>
               </a:rPr>
               <a:t>3</a:t>
             </a:r>
-            <a:endParaRPr kumimoji="0" lang="ko-KR" altLang="en-US" b="1" dirty="0">
-              <a:solidFill>
-                <a:srgbClr val="FFFFFF"/>
-              </a:solidFill>
-              <a:latin typeface="Verdana" panose="020B0604030504040204" pitchFamily="34" charset="0"/>
-            </a:endParaRPr>
-          </a:p>
-        </p:txBody>
-      </p:sp>
-      <p:sp>
-        <p:nvSpPr>
-          <p:cNvPr id="7" name="타원 111">
-            <a:extLst>
-              <a:ext uri="{FF2B5EF4-FFF2-40B4-BE49-F238E27FC236}">
-                <a16:creationId xmlns:a16="http://schemas.microsoft.com/office/drawing/2014/main" xmlns="" id="{2C0A3EB2-8298-41F4-B111-07E2A7D4A126}"/>
-              </a:ext>
-            </a:extLst>
-          </p:cNvPr>
-          <p:cNvSpPr/>
-          <p:nvPr/>
-        </p:nvSpPr>
-        <p:spPr>
-          <a:xfrm>
-            <a:off x="2715358" y="3208947"/>
-            <a:ext cx="214313" cy="214312"/>
-          </a:xfrm>
-          <a:prstGeom prst="ellipse">
-            <a:avLst/>
-          </a:prstGeom>
-          <a:solidFill>
-            <a:srgbClr val="FF0000"/>
-          </a:solidFill>
-          <a:ln>
-            <a:noFill/>
-          </a:ln>
-        </p:spPr>
-        <p:style>
-          <a:lnRef idx="2">
-            <a:schemeClr val="accent1">
-              <a:shade val="50000"/>
-            </a:schemeClr>
-          </a:lnRef>
-          <a:fillRef idx="1">
-            <a:schemeClr val="accent1"/>
-          </a:fillRef>
-          <a:effectRef idx="0">
-            <a:schemeClr val="accent1"/>
-          </a:effectRef>
-          <a:fontRef idx="minor">
-            <a:schemeClr val="lt1"/>
-          </a:fontRef>
-        </p:style>
-        <p:txBody>
-          <a:bodyPr lIns="0" tIns="0" rIns="0" bIns="0" anchor="ctr">
-            <a:normAutofit fontScale="62500" lnSpcReduction="20000"/>
-          </a:bodyPr>
-          <a:lstStyle/>
-          <a:p>
-            <a:pPr algn="ctr">
-              <a:defRPr/>
-            </a:pPr>
-            <a:r>
-              <a:rPr lang="en-US" altLang="ko-KR" b="1" dirty="0">
-                <a:latin typeface="Verdana" pitchFamily="34" charset="0"/>
-              </a:rPr>
-              <a:t>2</a:t>
-            </a:r>
-            <a:endParaRPr lang="ko-KR" altLang="en-US" b="1" dirty="0">
-              <a:latin typeface="Verdana" pitchFamily="34" charset="0"/>
-            </a:endParaRPr>
-          </a:p>
-        </p:txBody>
-      </p:sp>
-      <p:sp>
-        <p:nvSpPr>
-          <p:cNvPr id="8" name="타원 7">
-            <a:extLst>
-              <a:ext uri="{FF2B5EF4-FFF2-40B4-BE49-F238E27FC236}">
-                <a16:creationId xmlns:a16="http://schemas.microsoft.com/office/drawing/2014/main" xmlns="" id="{A95E9561-C170-4AED-8912-625B07B3CA36}"/>
-              </a:ext>
-            </a:extLst>
-          </p:cNvPr>
-          <p:cNvSpPr/>
-          <p:nvPr/>
-        </p:nvSpPr>
-        <p:spPr>
-          <a:xfrm>
-            <a:off x="8480426" y="1668463"/>
-            <a:ext cx="214313" cy="214312"/>
-          </a:xfrm>
-          <a:prstGeom prst="ellipse">
-            <a:avLst/>
-          </a:prstGeom>
-          <a:solidFill>
-            <a:srgbClr val="FF0000"/>
-          </a:solidFill>
-          <a:ln>
-            <a:noFill/>
-          </a:ln>
-        </p:spPr>
-        <p:style>
-          <a:lnRef idx="2">
-            <a:schemeClr val="accent1">
-              <a:shade val="50000"/>
-            </a:schemeClr>
-          </a:lnRef>
-          <a:fillRef idx="1">
-            <a:schemeClr val="accent1"/>
-          </a:fillRef>
-          <a:effectRef idx="0">
-            <a:schemeClr val="accent1"/>
-          </a:effectRef>
-          <a:fontRef idx="minor">
-            <a:schemeClr val="lt1"/>
-          </a:fontRef>
-        </p:style>
-        <p:txBody>
-          <a:bodyPr lIns="0" tIns="0" rIns="0" bIns="0" anchor="ctr">
-            <a:normAutofit fontScale="62500" lnSpcReduction="20000"/>
-          </a:bodyPr>
-          <a:lstStyle/>
-          <a:p>
-            <a:pPr algn="ctr">
-              <a:defRPr/>
-            </a:pPr>
-            <a:r>
-              <a:rPr lang="en-US" altLang="ko-KR" b="1" dirty="0">
-                <a:latin typeface="Verdana" pitchFamily="34" charset="0"/>
-              </a:rPr>
-              <a:t>1</a:t>
-            </a:r>
-            <a:endParaRPr lang="ko-KR" altLang="en-US" b="1" dirty="0">
-              <a:latin typeface="Verdana" pitchFamily="34" charset="0"/>
-            </a:endParaRPr>
-          </a:p>
-        </p:txBody>
-      </p:sp>
-      <p:sp>
-        <p:nvSpPr>
-          <p:cNvPr id="9" name="TextBox 4"/>
-          <p:cNvSpPr txBox="1">
-            <a:spLocks noChangeArrowheads="1"/>
-          </p:cNvSpPr>
-          <p:nvPr/>
-        </p:nvSpPr>
-        <p:spPr bwMode="auto">
-          <a:xfrm>
-            <a:off x="8666163" y="1579564"/>
-            <a:ext cx="1127232" cy="544765"/>
-          </a:xfrm>
-          <a:prstGeom prst="rect">
-            <a:avLst/>
-          </a:prstGeom>
-          <a:noFill/>
-          <a:ln>
-            <a:noFill/>
-          </a:ln>
-          <a:extLst>
-            <a:ext uri="{909E8E84-426E-40DD-AFC4-6F175D3DCCD1}">
-              <a14:hiddenFill xmlns:a14="http://schemas.microsoft.com/office/drawing/2010/main">
-                <a:solidFill>
-                  <a:srgbClr val="FFFFFF"/>
-                </a:solidFill>
-              </a14:hiddenFill>
-            </a:ext>
-            <a:ext uri="{91240B29-F687-4F45-9708-019B960494DF}">
-              <a14:hiddenLine xmlns:a14="http://schemas.microsoft.com/office/drawing/2010/main" w="9525">
-                <a:solidFill>
-                  <a:srgbClr val="000000"/>
-                </a:solidFill>
-                <a:miter lim="800000"/>
-                <a:headEnd/>
-                <a:tailEnd/>
-              </a14:hiddenLine>
-            </a:ext>
-          </a:extLst>
-        </p:spPr>
-        <p:txBody>
-          <a:bodyPr wrap="none">
-            <a:spAutoFit/>
-          </a:bodyPr>
-          <a:lstStyle>
-            <a:lvl1pPr latinLnBrk="1">
-              <a:spcBef>
-                <a:spcPct val="20000"/>
-              </a:spcBef>
-              <a:buFont typeface="Arial" panose="020B0604020202020204" pitchFamily="34" charset="0"/>
-              <a:buChar char="•"/>
-              <a:defRPr sz="3200">
-                <a:solidFill>
-                  <a:schemeClr val="tx1"/>
-                </a:solidFill>
-                <a:latin typeface="Arial" panose="020B0604020202020204" pitchFamily="34" charset="0"/>
-              </a:defRPr>
-            </a:lvl1pPr>
-            <a:lvl2pPr marL="742950" indent="-285750" latinLnBrk="1">
-              <a:spcBef>
-                <a:spcPct val="20000"/>
-              </a:spcBef>
-              <a:buFont typeface="Arial" panose="020B0604020202020204" pitchFamily="34" charset="0"/>
-              <a:buChar char="–"/>
-              <a:defRPr sz="2800">
-                <a:solidFill>
-                  <a:schemeClr val="tx1"/>
-                </a:solidFill>
-                <a:latin typeface="Arial" panose="020B0604020202020204" pitchFamily="34" charset="0"/>
-              </a:defRPr>
-            </a:lvl2pPr>
-            <a:lvl3pPr marL="1143000" indent="-228600" latinLnBrk="1">
-              <a:spcBef>
-                <a:spcPct val="20000"/>
-              </a:spcBef>
-              <a:buFont typeface="Arial" panose="020B0604020202020204" pitchFamily="34" charset="0"/>
-              <a:buChar char="•"/>
-              <a:defRPr sz="2400">
-                <a:solidFill>
-                  <a:schemeClr val="tx1"/>
-                </a:solidFill>
-                <a:latin typeface="Arial" panose="020B0604020202020204" pitchFamily="34" charset="0"/>
-              </a:defRPr>
-            </a:lvl3pPr>
-            <a:lvl4pPr marL="1600200" indent="-228600" latinLnBrk="1">
-              <a:spcBef>
-                <a:spcPct val="20000"/>
-              </a:spcBef>
-              <a:buFont typeface="Arial" panose="020B0604020202020204" pitchFamily="34" charset="0"/>
-              <a:buChar char="–"/>
-              <a:defRPr sz="2000">
-                <a:solidFill>
-                  <a:schemeClr val="tx1"/>
-                </a:solidFill>
-                <a:latin typeface="Arial" panose="020B0604020202020204" pitchFamily="34" charset="0"/>
-              </a:defRPr>
-            </a:lvl4pPr>
-            <a:lvl5pPr marL="2057400" indent="-228600" latinLnBrk="1">
-              <a:spcBef>
-                <a:spcPct val="20000"/>
-              </a:spcBef>
-              <a:buFont typeface="Arial" panose="020B0604020202020204" pitchFamily="34" charset="0"/>
-              <a:buChar char="»"/>
-              <a:defRPr sz="2000">
-                <a:solidFill>
-                  <a:schemeClr val="tx1"/>
-                </a:solidFill>
-                <a:latin typeface="Arial" panose="020B0604020202020204" pitchFamily="34" charset="0"/>
-              </a:defRPr>
-            </a:lvl5pPr>
-            <a:lvl6pPr marL="2514600" indent="-228600" eaLnBrk="0" fontAlgn="base" hangingPunct="0">
-              <a:spcBef>
-                <a:spcPct val="20000"/>
-              </a:spcBef>
-              <a:spcAft>
-                <a:spcPct val="0"/>
-              </a:spcAft>
-              <a:buFont typeface="Arial" panose="020B0604020202020204" pitchFamily="34" charset="0"/>
-              <a:buChar char="»"/>
-              <a:defRPr sz="2000">
-                <a:solidFill>
-                  <a:schemeClr val="tx1"/>
-                </a:solidFill>
-                <a:latin typeface="Arial" panose="020B0604020202020204" pitchFamily="34" charset="0"/>
-              </a:defRPr>
-            </a:lvl6pPr>
-            <a:lvl7pPr marL="2971800" indent="-228600" eaLnBrk="0" fontAlgn="base" hangingPunct="0">
-              <a:spcBef>
-                <a:spcPct val="20000"/>
-              </a:spcBef>
-              <a:spcAft>
-                <a:spcPct val="0"/>
-              </a:spcAft>
-              <a:buFont typeface="Arial" panose="020B0604020202020204" pitchFamily="34" charset="0"/>
-              <a:buChar char="»"/>
-              <a:defRPr sz="2000">
-                <a:solidFill>
-                  <a:schemeClr val="tx1"/>
-                </a:solidFill>
-                <a:latin typeface="Arial" panose="020B0604020202020204" pitchFamily="34" charset="0"/>
-              </a:defRPr>
-            </a:lvl7pPr>
-            <a:lvl8pPr marL="3429000" indent="-228600" eaLnBrk="0" fontAlgn="base" hangingPunct="0">
-              <a:spcBef>
-                <a:spcPct val="20000"/>
-              </a:spcBef>
-              <a:spcAft>
-                <a:spcPct val="0"/>
-              </a:spcAft>
-              <a:buFont typeface="Arial" panose="020B0604020202020204" pitchFamily="34" charset="0"/>
-              <a:buChar char="»"/>
-              <a:defRPr sz="2000">
-                <a:solidFill>
-                  <a:schemeClr val="tx1"/>
-                </a:solidFill>
-                <a:latin typeface="Arial" panose="020B0604020202020204" pitchFamily="34" charset="0"/>
-              </a:defRPr>
-            </a:lvl8pPr>
-            <a:lvl9pPr marL="3886200" indent="-228600" eaLnBrk="0" fontAlgn="base" hangingPunct="0">
-              <a:spcBef>
-                <a:spcPct val="20000"/>
-              </a:spcBef>
-              <a:spcAft>
-                <a:spcPct val="0"/>
-              </a:spcAft>
-              <a:buFont typeface="Arial" panose="020B0604020202020204" pitchFamily="34" charset="0"/>
-              <a:buChar char="»"/>
-              <a:defRPr sz="2000">
-                <a:solidFill>
-                  <a:schemeClr val="tx1"/>
-                </a:solidFill>
-                <a:latin typeface="Arial" panose="020B0604020202020204" pitchFamily="34" charset="0"/>
-              </a:defRPr>
-            </a:lvl9pPr>
-          </a:lstStyle>
-          <a:p>
-            <a:pPr eaLnBrk="1" hangingPunct="1">
-              <a:lnSpc>
-                <a:spcPct val="140000"/>
-              </a:lnSpc>
-              <a:spcBef>
-                <a:spcPct val="0"/>
-              </a:spcBef>
-              <a:buFontTx/>
-              <a:buNone/>
-            </a:pPr>
-            <a:r>
-              <a:rPr lang="ko-KR" altLang="en-US" sz="1100" b="1" dirty="0">
-                <a:latin typeface="맑은 고딕" panose="020B0503020000020004" pitchFamily="50" charset="-127"/>
-                <a:ea typeface="맑은 고딕" panose="020B0503020000020004" pitchFamily="50" charset="-127"/>
-              </a:rPr>
-              <a:t>프로젝트 메인</a:t>
-            </a:r>
-            <a:endParaRPr lang="en-US" altLang="ko-KR" sz="1100" b="1" dirty="0">
-              <a:latin typeface="맑은 고딕" panose="020B0503020000020004" pitchFamily="50" charset="-127"/>
-              <a:ea typeface="맑은 고딕" panose="020B0503020000020004" pitchFamily="50" charset="-127"/>
-            </a:endParaRPr>
-          </a:p>
-          <a:p>
-            <a:pPr eaLnBrk="1" hangingPunct="1">
-              <a:lnSpc>
-                <a:spcPct val="140000"/>
-              </a:lnSpc>
-              <a:spcBef>
-                <a:spcPct val="0"/>
-              </a:spcBef>
-              <a:buFontTx/>
-              <a:buNone/>
-            </a:pPr>
-            <a:r>
-              <a:rPr lang="ko-KR" altLang="en-US" sz="1000" dirty="0">
-                <a:latin typeface="맑은 고딕" panose="020B0503020000020004" pitchFamily="50" charset="-127"/>
-                <a:ea typeface="맑은 고딕" panose="020B0503020000020004" pitchFamily="50" charset="-127"/>
-              </a:rPr>
-              <a:t>프로젝트의 메인</a:t>
-            </a:r>
-            <a:endParaRPr lang="en-US" altLang="ko-KR" sz="1000" dirty="0">
-              <a:latin typeface="맑은 고딕" panose="020B0503020000020004" pitchFamily="50" charset="-127"/>
-              <a:ea typeface="맑은 고딕" panose="020B0503020000020004" pitchFamily="50" charset="-127"/>
-            </a:endParaRPr>
-          </a:p>
-        </p:txBody>
-      </p:sp>
-      <p:sp>
-        <p:nvSpPr>
-          <p:cNvPr id="10" name="타원 9">
-            <a:extLst>
-              <a:ext uri="{FF2B5EF4-FFF2-40B4-BE49-F238E27FC236}">
-                <a16:creationId xmlns:a16="http://schemas.microsoft.com/office/drawing/2014/main" xmlns="" id="{4A7475AD-1D36-4F9F-A3B6-5155824C7F6F}"/>
-              </a:ext>
-            </a:extLst>
-          </p:cNvPr>
-          <p:cNvSpPr/>
-          <p:nvPr/>
-        </p:nvSpPr>
-        <p:spPr>
-          <a:xfrm>
-            <a:off x="8480426" y="2471738"/>
-            <a:ext cx="214313" cy="214312"/>
-          </a:xfrm>
-          <a:prstGeom prst="ellipse">
-            <a:avLst/>
-          </a:prstGeom>
-          <a:solidFill>
-            <a:srgbClr val="FF0000"/>
-          </a:solidFill>
-          <a:ln>
-            <a:noFill/>
-          </a:ln>
-        </p:spPr>
-        <p:style>
-          <a:lnRef idx="2">
-            <a:schemeClr val="accent1">
-              <a:shade val="50000"/>
-            </a:schemeClr>
-          </a:lnRef>
-          <a:fillRef idx="1">
-            <a:schemeClr val="accent1"/>
-          </a:fillRef>
-          <a:effectRef idx="0">
-            <a:schemeClr val="accent1"/>
-          </a:effectRef>
-          <a:fontRef idx="minor">
-            <a:schemeClr val="lt1"/>
-          </a:fontRef>
-        </p:style>
-        <p:txBody>
-          <a:bodyPr lIns="0" tIns="0" rIns="0" bIns="0" anchor="ctr">
-            <a:normAutofit fontScale="62500" lnSpcReduction="20000"/>
-          </a:bodyPr>
-          <a:lstStyle/>
-          <a:p>
-            <a:pPr algn="ctr">
-              <a:defRPr/>
-            </a:pPr>
-            <a:r>
-              <a:rPr lang="en-US" altLang="ko-KR" b="1" dirty="0">
-                <a:latin typeface="Verdana" pitchFamily="34" charset="0"/>
-              </a:rPr>
-              <a:t>2</a:t>
-            </a:r>
-            <a:endParaRPr lang="ko-KR" altLang="en-US" b="1" dirty="0">
-              <a:latin typeface="Verdana" pitchFamily="34" charset="0"/>
-            </a:endParaRPr>
-          </a:p>
-        </p:txBody>
-      </p:sp>
-      <p:sp>
-        <p:nvSpPr>
-          <p:cNvPr id="11" name="TextBox 4"/>
-          <p:cNvSpPr txBox="1">
-            <a:spLocks noChangeArrowheads="1"/>
-          </p:cNvSpPr>
-          <p:nvPr/>
-        </p:nvSpPr>
-        <p:spPr bwMode="auto">
-          <a:xfrm>
-            <a:off x="8666163" y="2457450"/>
-            <a:ext cx="2341562" cy="415498"/>
-          </a:xfrm>
-          <a:prstGeom prst="rect">
-            <a:avLst/>
-          </a:prstGeom>
-          <a:noFill/>
-          <a:ln>
-            <a:noFill/>
-          </a:ln>
-          <a:extLst>
-            <a:ext uri="{909E8E84-426E-40DD-AFC4-6F175D3DCCD1}">
-              <a14:hiddenFill xmlns:a14="http://schemas.microsoft.com/office/drawing/2010/main">
-                <a:solidFill>
-                  <a:srgbClr val="FFFFFF"/>
-                </a:solidFill>
-              </a14:hiddenFill>
-            </a:ext>
-            <a:ext uri="{91240B29-F687-4F45-9708-019B960494DF}">
-              <a14:hiddenLine xmlns:a14="http://schemas.microsoft.com/office/drawing/2010/main" w="9525">
-                <a:solidFill>
-                  <a:srgbClr val="000000"/>
-                </a:solidFill>
-                <a:miter lim="800000"/>
-                <a:headEnd/>
-                <a:tailEnd/>
-              </a14:hiddenLine>
-            </a:ext>
-          </a:extLst>
-        </p:spPr>
-        <p:txBody>
-          <a:bodyPr>
-            <a:spAutoFit/>
-          </a:bodyPr>
-          <a:lstStyle>
-            <a:lvl1pPr latinLnBrk="1">
-              <a:spcBef>
-                <a:spcPct val="20000"/>
-              </a:spcBef>
-              <a:buFont typeface="Arial" panose="020B0604020202020204" pitchFamily="34" charset="0"/>
-              <a:buChar char="•"/>
-              <a:defRPr sz="3200">
-                <a:solidFill>
-                  <a:schemeClr val="tx1"/>
-                </a:solidFill>
-                <a:latin typeface="Arial" panose="020B0604020202020204" pitchFamily="34" charset="0"/>
-              </a:defRPr>
-            </a:lvl1pPr>
-            <a:lvl2pPr marL="742950" indent="-285750" latinLnBrk="1">
-              <a:spcBef>
-                <a:spcPct val="20000"/>
-              </a:spcBef>
-              <a:buFont typeface="Arial" panose="020B0604020202020204" pitchFamily="34" charset="0"/>
-              <a:buChar char="–"/>
-              <a:defRPr sz="2800">
-                <a:solidFill>
-                  <a:schemeClr val="tx1"/>
-                </a:solidFill>
-                <a:latin typeface="Arial" panose="020B0604020202020204" pitchFamily="34" charset="0"/>
-              </a:defRPr>
-            </a:lvl2pPr>
-            <a:lvl3pPr marL="1143000" indent="-228600" latinLnBrk="1">
-              <a:spcBef>
-                <a:spcPct val="20000"/>
-              </a:spcBef>
-              <a:buFont typeface="Arial" panose="020B0604020202020204" pitchFamily="34" charset="0"/>
-              <a:buChar char="•"/>
-              <a:defRPr sz="2400">
-                <a:solidFill>
-                  <a:schemeClr val="tx1"/>
-                </a:solidFill>
-                <a:latin typeface="Arial" panose="020B0604020202020204" pitchFamily="34" charset="0"/>
-              </a:defRPr>
-            </a:lvl3pPr>
-            <a:lvl4pPr marL="1600200" indent="-228600" latinLnBrk="1">
-              <a:spcBef>
-                <a:spcPct val="20000"/>
-              </a:spcBef>
-              <a:buFont typeface="Arial" panose="020B0604020202020204" pitchFamily="34" charset="0"/>
-              <a:buChar char="–"/>
-              <a:defRPr sz="2000">
-                <a:solidFill>
-                  <a:schemeClr val="tx1"/>
-                </a:solidFill>
-                <a:latin typeface="Arial" panose="020B0604020202020204" pitchFamily="34" charset="0"/>
-              </a:defRPr>
-            </a:lvl4pPr>
-            <a:lvl5pPr marL="2057400" indent="-228600" latinLnBrk="1">
-              <a:spcBef>
-                <a:spcPct val="20000"/>
-              </a:spcBef>
-              <a:buFont typeface="Arial" panose="020B0604020202020204" pitchFamily="34" charset="0"/>
-              <a:buChar char="»"/>
-              <a:defRPr sz="2000">
-                <a:solidFill>
-                  <a:schemeClr val="tx1"/>
-                </a:solidFill>
-                <a:latin typeface="Arial" panose="020B0604020202020204" pitchFamily="34" charset="0"/>
-              </a:defRPr>
-            </a:lvl5pPr>
-            <a:lvl6pPr marL="2514600" indent="-228600" eaLnBrk="0" fontAlgn="base" hangingPunct="0">
-              <a:spcBef>
-                <a:spcPct val="20000"/>
-              </a:spcBef>
-              <a:spcAft>
-                <a:spcPct val="0"/>
-              </a:spcAft>
-              <a:buFont typeface="Arial" panose="020B0604020202020204" pitchFamily="34" charset="0"/>
-              <a:buChar char="»"/>
-              <a:defRPr sz="2000">
-                <a:solidFill>
-                  <a:schemeClr val="tx1"/>
-                </a:solidFill>
-                <a:latin typeface="Arial" panose="020B0604020202020204" pitchFamily="34" charset="0"/>
-              </a:defRPr>
-            </a:lvl6pPr>
-            <a:lvl7pPr marL="2971800" indent="-228600" eaLnBrk="0" fontAlgn="base" hangingPunct="0">
-              <a:spcBef>
-                <a:spcPct val="20000"/>
-              </a:spcBef>
-              <a:spcAft>
-                <a:spcPct val="0"/>
-              </a:spcAft>
-              <a:buFont typeface="Arial" panose="020B0604020202020204" pitchFamily="34" charset="0"/>
-              <a:buChar char="»"/>
-              <a:defRPr sz="2000">
-                <a:solidFill>
-                  <a:schemeClr val="tx1"/>
-                </a:solidFill>
-                <a:latin typeface="Arial" panose="020B0604020202020204" pitchFamily="34" charset="0"/>
-              </a:defRPr>
-            </a:lvl7pPr>
-            <a:lvl8pPr marL="3429000" indent="-228600" eaLnBrk="0" fontAlgn="base" hangingPunct="0">
-              <a:spcBef>
-                <a:spcPct val="20000"/>
-              </a:spcBef>
-              <a:spcAft>
-                <a:spcPct val="0"/>
-              </a:spcAft>
-              <a:buFont typeface="Arial" panose="020B0604020202020204" pitchFamily="34" charset="0"/>
-              <a:buChar char="»"/>
-              <a:defRPr sz="2000">
-                <a:solidFill>
-                  <a:schemeClr val="tx1"/>
-                </a:solidFill>
-                <a:latin typeface="Arial" panose="020B0604020202020204" pitchFamily="34" charset="0"/>
-              </a:defRPr>
-            </a:lvl8pPr>
-            <a:lvl9pPr marL="3886200" indent="-228600" eaLnBrk="0" fontAlgn="base" hangingPunct="0">
-              <a:spcBef>
-                <a:spcPct val="20000"/>
-              </a:spcBef>
-              <a:spcAft>
-                <a:spcPct val="0"/>
-              </a:spcAft>
-              <a:buFont typeface="Arial" panose="020B0604020202020204" pitchFamily="34" charset="0"/>
-              <a:buChar char="»"/>
-              <a:defRPr sz="2000">
-                <a:solidFill>
-                  <a:schemeClr val="tx1"/>
-                </a:solidFill>
-                <a:latin typeface="Arial" panose="020B0604020202020204" pitchFamily="34" charset="0"/>
-              </a:defRPr>
-            </a:lvl9pPr>
-          </a:lstStyle>
-          <a:p>
-            <a:pPr eaLnBrk="1" hangingPunct="1">
-              <a:spcBef>
-                <a:spcPct val="0"/>
-              </a:spcBef>
-              <a:buFontTx/>
-              <a:buNone/>
-            </a:pPr>
-            <a:r>
-              <a:rPr lang="ko-KR" altLang="en-US" sz="1100" b="1" dirty="0">
-                <a:latin typeface="맑은 고딕" panose="020B0503020000020004" pitchFamily="50" charset="-127"/>
-                <a:ea typeface="맑은 고딕" panose="020B0503020000020004" pitchFamily="50" charset="-127"/>
-              </a:rPr>
-              <a:t>사용자 정보입력</a:t>
-            </a:r>
-            <a:endParaRPr lang="en-US" altLang="ko-KR" sz="1100" b="1" dirty="0">
-              <a:latin typeface="맑은 고딕" panose="020B0503020000020004" pitchFamily="50" charset="-127"/>
-              <a:ea typeface="맑은 고딕" panose="020B0503020000020004" pitchFamily="50" charset="-127"/>
-            </a:endParaRPr>
-          </a:p>
-          <a:p>
-            <a:pPr eaLnBrk="1" hangingPunct="1">
-              <a:spcBef>
-                <a:spcPct val="0"/>
-              </a:spcBef>
-              <a:buFontTx/>
-              <a:buNone/>
-            </a:pPr>
-            <a:r>
-              <a:rPr lang="ko-KR" altLang="en-US" sz="1000" dirty="0">
-                <a:latin typeface="맑은 고딕" panose="020B0503020000020004" pitchFamily="50" charset="-127"/>
-                <a:ea typeface="맑은 고딕" panose="020B0503020000020004" pitchFamily="50" charset="-127"/>
-              </a:rPr>
-              <a:t>사용자의 정보를 </a:t>
-            </a:r>
-            <a:r>
-              <a:rPr lang="ko-KR" altLang="en-US" sz="1000" dirty="0" err="1">
-                <a:latin typeface="맑은 고딕" panose="020B0503020000020004" pitchFamily="50" charset="-127"/>
-                <a:ea typeface="맑은 고딕" panose="020B0503020000020004" pitchFamily="50" charset="-127"/>
-              </a:rPr>
-              <a:t>입력받는다</a:t>
-            </a:r>
-            <a:r>
-              <a:rPr lang="en-US" altLang="ko-KR" sz="1000" dirty="0">
-                <a:latin typeface="맑은 고딕" panose="020B0503020000020004" pitchFamily="50" charset="-127"/>
-                <a:ea typeface="맑은 고딕" panose="020B0503020000020004" pitchFamily="50" charset="-127"/>
-              </a:rPr>
-              <a:t>.</a:t>
-            </a:r>
-            <a:endParaRPr lang="ko-KR" altLang="en-US" sz="1000" dirty="0">
-              <a:latin typeface="맑은 고딕" panose="020B0503020000020004" pitchFamily="50" charset="-127"/>
-              <a:ea typeface="맑은 고딕" panose="020B0503020000020004" pitchFamily="50" charset="-127"/>
-            </a:endParaRPr>
-          </a:p>
-        </p:txBody>
-      </p:sp>
-      <p:sp>
-        <p:nvSpPr>
-          <p:cNvPr id="12" name="타원 11">
-            <a:extLst>
-              <a:ext uri="{FF2B5EF4-FFF2-40B4-BE49-F238E27FC236}">
-                <a16:creationId xmlns:a16="http://schemas.microsoft.com/office/drawing/2014/main" xmlns="" id="{D30F22DB-2B78-4636-9F8C-03886F5313C8}"/>
-              </a:ext>
-            </a:extLst>
-          </p:cNvPr>
-          <p:cNvSpPr/>
-          <p:nvPr/>
-        </p:nvSpPr>
-        <p:spPr>
-          <a:xfrm>
-            <a:off x="8480426" y="3244851"/>
-            <a:ext cx="214313" cy="214313"/>
-          </a:xfrm>
-          <a:prstGeom prst="ellipse">
-            <a:avLst/>
-          </a:prstGeom>
-          <a:solidFill>
-            <a:srgbClr val="FF0000"/>
-          </a:solidFill>
-          <a:ln>
-            <a:noFill/>
-          </a:ln>
-        </p:spPr>
-        <p:style>
-          <a:lnRef idx="2">
-            <a:schemeClr val="accent1">
-              <a:shade val="50000"/>
-            </a:schemeClr>
-          </a:lnRef>
-          <a:fillRef idx="1">
-            <a:schemeClr val="accent1"/>
-          </a:fillRef>
-          <a:effectRef idx="0">
-            <a:schemeClr val="accent1"/>
-          </a:effectRef>
-          <a:fontRef idx="minor">
-            <a:schemeClr val="lt1"/>
-          </a:fontRef>
-        </p:style>
-        <p:txBody>
-          <a:bodyPr lIns="0" tIns="0" rIns="0" bIns="0" anchor="ctr">
-            <a:normAutofit fontScale="62500" lnSpcReduction="20000"/>
-          </a:bodyPr>
-          <a:lstStyle>
-            <a:lvl1pPr algn="l" eaLnBrk="0" hangingPunct="0">
-              <a:defRPr kumimoji="1">
-                <a:solidFill>
-                  <a:schemeClr val="tx1"/>
-                </a:solidFill>
-                <a:latin typeface="굴림" panose="020B0600000101010101" pitchFamily="50" charset="-127"/>
-                <a:ea typeface="굴림" panose="020B0600000101010101" pitchFamily="50" charset="-127"/>
-              </a:defRPr>
-            </a:lvl1pPr>
-            <a:lvl2pPr marL="742950" indent="-285750" algn="l" eaLnBrk="0" hangingPunct="0">
-              <a:defRPr kumimoji="1">
-                <a:solidFill>
-                  <a:schemeClr val="tx1"/>
-                </a:solidFill>
-                <a:latin typeface="굴림" panose="020B0600000101010101" pitchFamily="50" charset="-127"/>
-                <a:ea typeface="굴림" panose="020B0600000101010101" pitchFamily="50" charset="-127"/>
-              </a:defRPr>
-            </a:lvl2pPr>
-            <a:lvl3pPr marL="1143000" indent="-228600" algn="l" eaLnBrk="0" hangingPunct="0">
-              <a:defRPr kumimoji="1">
-                <a:solidFill>
-                  <a:schemeClr val="tx1"/>
-                </a:solidFill>
-                <a:latin typeface="굴림" panose="020B0600000101010101" pitchFamily="50" charset="-127"/>
-                <a:ea typeface="굴림" panose="020B0600000101010101" pitchFamily="50" charset="-127"/>
-              </a:defRPr>
-            </a:lvl3pPr>
-            <a:lvl4pPr marL="1600200" indent="-228600" algn="l" eaLnBrk="0" hangingPunct="0">
-              <a:defRPr kumimoji="1">
-                <a:solidFill>
-                  <a:schemeClr val="tx1"/>
-                </a:solidFill>
-                <a:latin typeface="굴림" panose="020B0600000101010101" pitchFamily="50" charset="-127"/>
-                <a:ea typeface="굴림" panose="020B0600000101010101" pitchFamily="50" charset="-127"/>
-              </a:defRPr>
-            </a:lvl4pPr>
-            <a:lvl5pPr marL="2057400" indent="-228600" algn="l" eaLnBrk="0" hangingPunct="0">
-              <a:defRPr kumimoji="1">
-                <a:solidFill>
-                  <a:schemeClr val="tx1"/>
-                </a:solidFill>
-                <a:latin typeface="굴림" panose="020B0600000101010101" pitchFamily="50" charset="-127"/>
-                <a:ea typeface="굴림" panose="020B0600000101010101" pitchFamily="50" charset="-127"/>
-              </a:defRPr>
-            </a:lvl5pPr>
-            <a:lvl6pPr marL="2514600" indent="-228600" eaLnBrk="0" fontAlgn="base" hangingPunct="0">
-              <a:spcBef>
-                <a:spcPct val="0"/>
-              </a:spcBef>
-              <a:spcAft>
-                <a:spcPct val="0"/>
-              </a:spcAft>
-              <a:defRPr kumimoji="1">
-                <a:solidFill>
-                  <a:schemeClr val="tx1"/>
-                </a:solidFill>
-                <a:latin typeface="굴림" panose="020B0600000101010101" pitchFamily="50" charset="-127"/>
-                <a:ea typeface="굴림" panose="020B0600000101010101" pitchFamily="50" charset="-127"/>
-              </a:defRPr>
-            </a:lvl6pPr>
-            <a:lvl7pPr marL="2971800" indent="-228600" eaLnBrk="0" fontAlgn="base" hangingPunct="0">
-              <a:spcBef>
-                <a:spcPct val="0"/>
-              </a:spcBef>
-              <a:spcAft>
-                <a:spcPct val="0"/>
-              </a:spcAft>
-              <a:defRPr kumimoji="1">
-                <a:solidFill>
-                  <a:schemeClr val="tx1"/>
-                </a:solidFill>
-                <a:latin typeface="굴림" panose="020B0600000101010101" pitchFamily="50" charset="-127"/>
-                <a:ea typeface="굴림" panose="020B0600000101010101" pitchFamily="50" charset="-127"/>
-              </a:defRPr>
-            </a:lvl7pPr>
-            <a:lvl8pPr marL="3429000" indent="-228600" eaLnBrk="0" fontAlgn="base" hangingPunct="0">
-              <a:spcBef>
-                <a:spcPct val="0"/>
-              </a:spcBef>
-              <a:spcAft>
-                <a:spcPct val="0"/>
-              </a:spcAft>
-              <a:defRPr kumimoji="1">
-                <a:solidFill>
-                  <a:schemeClr val="tx1"/>
-                </a:solidFill>
-                <a:latin typeface="굴림" panose="020B0600000101010101" pitchFamily="50" charset="-127"/>
-                <a:ea typeface="굴림" panose="020B0600000101010101" pitchFamily="50" charset="-127"/>
-              </a:defRPr>
-            </a:lvl8pPr>
-            <a:lvl9pPr marL="3886200" indent="-228600" eaLnBrk="0" fontAlgn="base" hangingPunct="0">
-              <a:spcBef>
-                <a:spcPct val="0"/>
-              </a:spcBef>
-              <a:spcAft>
-                <a:spcPct val="0"/>
-              </a:spcAft>
-              <a:defRPr kumimoji="1">
-                <a:solidFill>
-                  <a:schemeClr val="tx1"/>
-                </a:solidFill>
-                <a:latin typeface="굴림" panose="020B0600000101010101" pitchFamily="50" charset="-127"/>
-                <a:ea typeface="굴림" panose="020B0600000101010101" pitchFamily="50" charset="-127"/>
-              </a:defRPr>
-            </a:lvl9pPr>
-          </a:lstStyle>
-          <a:p>
-            <a:pPr algn="ctr" eaLnBrk="1" latinLnBrk="1" hangingPunct="1">
-              <a:defRPr/>
-            </a:pPr>
-            <a:r>
-              <a:rPr kumimoji="0" lang="en-US" altLang="ko-KR" b="1">
-                <a:solidFill>
-                  <a:srgbClr val="FFFFFF"/>
-                </a:solidFill>
-                <a:latin typeface="Verdana" panose="020B0604030504040204" pitchFamily="34" charset="0"/>
-              </a:rPr>
-              <a:t>3</a:t>
-            </a:r>
             <a:endParaRPr kumimoji="0" lang="ko-KR" altLang="en-US" b="1">
               <a:solidFill>
-                <a:srgbClr val="FFFFFF"/>
+                <a:srgbClr val="ffffff"/>
               </a:solidFill>
-              <a:latin typeface="Verdana" panose="020B0604030504040204" pitchFamily="34" charset="0"/>
+              <a:latin typeface="Verdana"/>
             </a:endParaRPr>
           </a:p>
         </p:txBody>
@@ -4037,7 +3674,7 @@
           </p:cNvSpPr>
           <p:nvPr/>
         </p:nvSpPr>
-        <p:spPr bwMode="auto">
+        <p:spPr>
           <a:xfrm>
             <a:off x="8666163" y="3182939"/>
             <a:ext cx="1300356" cy="544765"/>
@@ -4049,25 +3686,6 @@
           <a:ln>
             <a:noFill/>
           </a:ln>
-          <a:extLst>
-            <a:ext uri="{909E8E84-426E-40DD-AFC4-6F175D3DCCD1}">
-              <a14:hiddenFill xmlns:a14="http://schemas.microsoft.com/office/drawing/2010/main">
-                <a:solidFill>
-                  <a:srgbClr val="FFFFFF"/>
-                </a:solidFill>
-              </a14:hiddenFill>
-            </a:ext>
-            <a:ext uri="{91240B29-F687-4F45-9708-019B960494DF}">
-              <a14:hiddenLine xmlns:a14="http://schemas.microsoft.com/office/drawing/2010/main" w="9525">
-                <a:solidFill>
-                  <a:srgbClr val="000000"/>
-                </a:solidFill>
-                <a:miter lim="800000"/>
-                <a:headEnd/>
-                <a:tailEnd/>
-              </a14:hiddenLine>
-            </a:ext>
-          </a:extLst>
         </p:spPr>
         <p:txBody>
           <a:bodyPr wrap="none">
@@ -4078,65 +3696,65 @@
               <a:spcBef>
                 <a:spcPct val="20000"/>
               </a:spcBef>
-              <a:buFont typeface="Arial" panose="020B0604020202020204" pitchFamily="34" charset="0"/>
+              <a:buFont typeface="Arial"/>
               <a:buChar char="•"/>
               <a:defRPr sz="3200">
                 <a:solidFill>
                   <a:schemeClr val="tx1"/>
                 </a:solidFill>
-                <a:latin typeface="Arial" panose="020B0604020202020204" pitchFamily="34" charset="0"/>
+                <a:latin typeface="Arial"/>
               </a:defRPr>
             </a:lvl1pPr>
             <a:lvl2pPr marL="742950" indent="-285750" latinLnBrk="1">
               <a:spcBef>
                 <a:spcPct val="20000"/>
               </a:spcBef>
-              <a:buFont typeface="Arial" panose="020B0604020202020204" pitchFamily="34" charset="0"/>
+              <a:buFont typeface="Arial"/>
               <a:buChar char="–"/>
               <a:defRPr sz="2800">
                 <a:solidFill>
                   <a:schemeClr val="tx1"/>
                 </a:solidFill>
-                <a:latin typeface="Arial" panose="020B0604020202020204" pitchFamily="34" charset="0"/>
+                <a:latin typeface="Arial"/>
               </a:defRPr>
             </a:lvl2pPr>
             <a:lvl3pPr marL="1143000" indent="-228600" latinLnBrk="1">
               <a:spcBef>
                 <a:spcPct val="20000"/>
               </a:spcBef>
-              <a:buFont typeface="Arial" panose="020B0604020202020204" pitchFamily="34" charset="0"/>
+              <a:buFont typeface="Arial"/>
               <a:buChar char="•"/>
               <a:defRPr sz="2400">
                 <a:solidFill>
                   <a:schemeClr val="tx1"/>
                 </a:solidFill>
-                <a:latin typeface="Arial" panose="020B0604020202020204" pitchFamily="34" charset="0"/>
+                <a:latin typeface="Arial"/>
               </a:defRPr>
             </a:lvl3pPr>
             <a:lvl4pPr marL="1600200" indent="-228600" latinLnBrk="1">
               <a:spcBef>
                 <a:spcPct val="20000"/>
               </a:spcBef>
-              <a:buFont typeface="Arial" panose="020B0604020202020204" pitchFamily="34" charset="0"/>
+              <a:buFont typeface="Arial"/>
               <a:buChar char="–"/>
               <a:defRPr sz="2000">
                 <a:solidFill>
                   <a:schemeClr val="tx1"/>
                 </a:solidFill>
-                <a:latin typeface="Arial" panose="020B0604020202020204" pitchFamily="34" charset="0"/>
+                <a:latin typeface="Arial"/>
               </a:defRPr>
             </a:lvl4pPr>
             <a:lvl5pPr marL="2057400" indent="-228600" latinLnBrk="1">
               <a:spcBef>
                 <a:spcPct val="20000"/>
               </a:spcBef>
-              <a:buFont typeface="Arial" panose="020B0604020202020204" pitchFamily="34" charset="0"/>
-              <a:buChar char="»"/>
-              <a:defRPr sz="2000">
-                <a:solidFill>
-                  <a:schemeClr val="tx1"/>
-                </a:solidFill>
-                <a:latin typeface="Arial" panose="020B0604020202020204" pitchFamily="34" charset="0"/>
+              <a:buFont typeface="Arial"/>
+              <a:buChar char="»"/>
+              <a:defRPr sz="2000">
+                <a:solidFill>
+                  <a:schemeClr val="tx1"/>
+                </a:solidFill>
+                <a:latin typeface="Arial"/>
               </a:defRPr>
             </a:lvl5pPr>
             <a:lvl6pPr marL="2514600" indent="-228600" eaLnBrk="0" fontAlgn="base" hangingPunct="0">
@@ -4146,13 +3764,13 @@
               <a:spcAft>
                 <a:spcPct val="0"/>
               </a:spcAft>
-              <a:buFont typeface="Arial" panose="020B0604020202020204" pitchFamily="34" charset="0"/>
-              <a:buChar char="»"/>
-              <a:defRPr sz="2000">
-                <a:solidFill>
-                  <a:schemeClr val="tx1"/>
-                </a:solidFill>
-                <a:latin typeface="Arial" panose="020B0604020202020204" pitchFamily="34" charset="0"/>
+              <a:buFont typeface="Arial"/>
+              <a:buChar char="»"/>
+              <a:defRPr sz="2000">
+                <a:solidFill>
+                  <a:schemeClr val="tx1"/>
+                </a:solidFill>
+                <a:latin typeface="Arial"/>
               </a:defRPr>
             </a:lvl6pPr>
             <a:lvl7pPr marL="2971800" indent="-228600" eaLnBrk="0" fontAlgn="base" hangingPunct="0">
@@ -4162,13 +3780,13 @@
               <a:spcAft>
                 <a:spcPct val="0"/>
               </a:spcAft>
-              <a:buFont typeface="Arial" panose="020B0604020202020204" pitchFamily="34" charset="0"/>
-              <a:buChar char="»"/>
-              <a:defRPr sz="2000">
-                <a:solidFill>
-                  <a:schemeClr val="tx1"/>
-                </a:solidFill>
-                <a:latin typeface="Arial" panose="020B0604020202020204" pitchFamily="34" charset="0"/>
+              <a:buFont typeface="Arial"/>
+              <a:buChar char="»"/>
+              <a:defRPr sz="2000">
+                <a:solidFill>
+                  <a:schemeClr val="tx1"/>
+                </a:solidFill>
+                <a:latin typeface="Arial"/>
               </a:defRPr>
             </a:lvl7pPr>
             <a:lvl8pPr marL="3429000" indent="-228600" eaLnBrk="0" fontAlgn="base" hangingPunct="0">
@@ -4178,13 +3796,13 @@
               <a:spcAft>
                 <a:spcPct val="0"/>
               </a:spcAft>
-              <a:buFont typeface="Arial" panose="020B0604020202020204" pitchFamily="34" charset="0"/>
-              <a:buChar char="»"/>
-              <a:defRPr sz="2000">
-                <a:solidFill>
-                  <a:schemeClr val="tx1"/>
-                </a:solidFill>
-                <a:latin typeface="Arial" panose="020B0604020202020204" pitchFamily="34" charset="0"/>
+              <a:buFont typeface="Arial"/>
+              <a:buChar char="»"/>
+              <a:defRPr sz="2000">
+                <a:solidFill>
+                  <a:schemeClr val="tx1"/>
+                </a:solidFill>
+                <a:latin typeface="Arial"/>
               </a:defRPr>
             </a:lvl8pPr>
             <a:lvl9pPr marL="3886200" indent="-228600" eaLnBrk="0" fontAlgn="base" hangingPunct="0">
@@ -4194,13 +3812,13 @@
               <a:spcAft>
                 <a:spcPct val="0"/>
               </a:spcAft>
-              <a:buFont typeface="Arial" panose="020B0604020202020204" pitchFamily="34" charset="0"/>
-              <a:buChar char="»"/>
-              <a:defRPr sz="2000">
-                <a:solidFill>
-                  <a:schemeClr val="tx1"/>
-                </a:solidFill>
-                <a:latin typeface="Arial" panose="020B0604020202020204" pitchFamily="34" charset="0"/>
+              <a:buFont typeface="Arial"/>
+              <a:buChar char="»"/>
+              <a:defRPr sz="2000">
+                <a:solidFill>
+                  <a:schemeClr val="tx1"/>
+                </a:solidFill>
+                <a:latin typeface="Arial"/>
               </a:defRPr>
             </a:lvl9pPr>
           </a:lstStyle>
@@ -4214,17 +3832,18 @@
               </a:spcBef>
               <a:buFontTx/>
               <a:buNone/>
+              <a:defRPr/>
             </a:pPr>
             <a:r>
-              <a:rPr lang="ko-KR" altLang="en-US" sz="1100" b="1" dirty="0">
-                <a:latin typeface="맑은 고딕" panose="020B0503020000020004" pitchFamily="50" charset="-127"/>
-                <a:ea typeface="맑은 고딕" panose="020B0503020000020004" pitchFamily="50" charset="-127"/>
+              <a:rPr lang="ko-KR" altLang="en-US" sz="1100" b="1">
+                <a:latin typeface="맑은 고딕"/>
+                <a:ea typeface="맑은 고딕"/>
               </a:rPr>
               <a:t>시작하기 버튼</a:t>
             </a:r>
-            <a:endParaRPr lang="en-US" altLang="ko-KR" sz="1100" b="1" dirty="0">
-              <a:latin typeface="맑은 고딕" panose="020B0503020000020004" pitchFamily="50" charset="-127"/>
-              <a:ea typeface="맑은 고딕" panose="020B0503020000020004" pitchFamily="50" charset="-127"/>
+            <a:endParaRPr lang="ko-KR" altLang="en-US" sz="1100" b="1">
+              <a:latin typeface="맑은 고딕"/>
+              <a:ea typeface="맑은 고딕"/>
             </a:endParaRPr>
           </a:p>
           <a:p>
@@ -4237,360 +3856,18 @@
               </a:spcBef>
               <a:buFontTx/>
               <a:buNone/>
-            </a:pPr>
-            <a:r>
-              <a:rPr lang="ko-KR" altLang="en-US" sz="1000" dirty="0">
-                <a:latin typeface="맑은 고딕" panose="020B0503020000020004" pitchFamily="50" charset="-127"/>
-                <a:ea typeface="맑은 고딕" panose="020B0503020000020004" pitchFamily="50" charset="-127"/>
-              </a:rPr>
-              <a:t> </a:t>
-            </a:r>
-            <a:r>
-              <a:rPr lang="ko-KR" altLang="en-US" sz="1000" dirty="0" err="1">
-                <a:latin typeface="맑은 고딕" panose="020B0503020000020004" pitchFamily="50" charset="-127"/>
-                <a:ea typeface="맑은 고딕" panose="020B0503020000020004" pitchFamily="50" charset="-127"/>
-              </a:rPr>
-              <a:t>메인화면으로</a:t>
-            </a:r>
-            <a:r>
-              <a:rPr lang="ko-KR" altLang="en-US" sz="1000" dirty="0">
-                <a:latin typeface="맑은 고딕" panose="020B0503020000020004" pitchFamily="50" charset="-127"/>
-                <a:ea typeface="맑은 고딕" panose="020B0503020000020004" pitchFamily="50" charset="-127"/>
-              </a:rPr>
-              <a:t> 이동</a:t>
-            </a:r>
-          </a:p>
-        </p:txBody>
-      </p:sp>
-      <p:pic>
-        <p:nvPicPr>
-          <p:cNvPr id="14" name="그림 13"/>
-          <p:cNvPicPr>
-            <a:picLocks noChangeAspect="1"/>
-          </p:cNvPicPr>
-          <p:nvPr/>
-        </p:nvPicPr>
-        <p:blipFill>
-          <a:blip r:embed="rId2"/>
-          <a:stretch>
-            <a:fillRect/>
-          </a:stretch>
-        </p:blipFill>
-        <p:spPr>
-          <a:xfrm>
-            <a:off x="2566989" y="1749150"/>
-            <a:ext cx="2552921" cy="4244708"/>
-          </a:xfrm>
-          <a:prstGeom prst="rect">
-            <a:avLst/>
-          </a:prstGeom>
-          <a:ln>
-            <a:solidFill>
-              <a:schemeClr val="tx1"/>
-            </a:solidFill>
-          </a:ln>
-        </p:spPr>
-      </p:pic>
-      <p:sp>
-        <p:nvSpPr>
-          <p:cNvPr id="15" name="타원 111">
-            <a:extLst>
-              <a:ext uri="{FF2B5EF4-FFF2-40B4-BE49-F238E27FC236}">
-                <a16:creationId xmlns:a16="http://schemas.microsoft.com/office/drawing/2014/main" xmlns="" id="{2C0A3EB2-8298-41F4-B111-07E2A7D4A126}"/>
-              </a:ext>
-            </a:extLst>
-          </p:cNvPr>
-          <p:cNvSpPr/>
-          <p:nvPr/>
-        </p:nvSpPr>
-        <p:spPr>
-          <a:xfrm>
-            <a:off x="2760602" y="2095093"/>
-            <a:ext cx="214313" cy="214312"/>
-          </a:xfrm>
-          <a:prstGeom prst="ellipse">
-            <a:avLst/>
-          </a:prstGeom>
-          <a:solidFill>
-            <a:srgbClr val="FF0000"/>
-          </a:solidFill>
-          <a:ln>
-            <a:noFill/>
-          </a:ln>
-        </p:spPr>
-        <p:style>
-          <a:lnRef idx="2">
-            <a:schemeClr val="accent1">
-              <a:shade val="50000"/>
-            </a:schemeClr>
-          </a:lnRef>
-          <a:fillRef idx="1">
-            <a:schemeClr val="accent1"/>
-          </a:fillRef>
-          <a:effectRef idx="0">
-            <a:schemeClr val="accent1"/>
-          </a:effectRef>
-          <a:fontRef idx="minor">
-            <a:schemeClr val="lt1"/>
-          </a:fontRef>
-        </p:style>
-        <p:txBody>
-          <a:bodyPr lIns="0" tIns="0" rIns="0" bIns="0" anchor="ctr">
-            <a:normAutofit fontScale="62500" lnSpcReduction="20000"/>
-          </a:bodyPr>
-          <a:lstStyle/>
-          <a:p>
-            <a:pPr algn="ctr">
               <a:defRPr/>
             </a:pPr>
             <a:r>
-              <a:rPr lang="en-US" altLang="ko-KR" b="1" dirty="0">
-                <a:latin typeface="Verdana" pitchFamily="34" charset="0"/>
+              <a:rPr lang="ko-KR" altLang="en-US" sz="1000">
+                <a:latin typeface="맑은 고딕"/>
+                <a:ea typeface="맑은 고딕"/>
               </a:rPr>
-              <a:t>1</a:t>
-            </a:r>
-            <a:endParaRPr lang="ko-KR" altLang="en-US" b="1" dirty="0">
-              <a:latin typeface="Verdana" pitchFamily="34" charset="0"/>
-            </a:endParaRPr>
-          </a:p>
-        </p:txBody>
-      </p:sp>
-      <p:sp>
-        <p:nvSpPr>
-          <p:cNvPr id="16" name="타원 119">
-            <a:extLst>
-              <a:ext uri="{FF2B5EF4-FFF2-40B4-BE49-F238E27FC236}">
-                <a16:creationId xmlns:a16="http://schemas.microsoft.com/office/drawing/2014/main" xmlns="" id="{F33F8DB9-7D40-4E4C-867B-7531A08A2B5F}"/>
-              </a:ext>
-            </a:extLst>
-          </p:cNvPr>
-          <p:cNvSpPr/>
-          <p:nvPr/>
-        </p:nvSpPr>
-        <p:spPr>
-          <a:xfrm>
-            <a:off x="3120642" y="4531112"/>
-            <a:ext cx="214313" cy="214312"/>
-          </a:xfrm>
-          <a:prstGeom prst="ellipse">
-            <a:avLst/>
-          </a:prstGeom>
-          <a:solidFill>
-            <a:srgbClr val="FF0000"/>
-          </a:solidFill>
-          <a:ln>
-            <a:noFill/>
-          </a:ln>
-        </p:spPr>
-        <p:style>
-          <a:lnRef idx="2">
-            <a:schemeClr val="accent1">
-              <a:shade val="50000"/>
-            </a:schemeClr>
-          </a:lnRef>
-          <a:fillRef idx="1">
-            <a:schemeClr val="accent1"/>
-          </a:fillRef>
-          <a:effectRef idx="0">
-            <a:schemeClr val="accent1"/>
-          </a:effectRef>
-          <a:fontRef idx="minor">
-            <a:schemeClr val="lt1"/>
-          </a:fontRef>
-        </p:style>
-        <p:txBody>
-          <a:bodyPr lIns="0" tIns="0" rIns="0" bIns="0" anchor="ctr">
-            <a:normAutofit fontScale="62500" lnSpcReduction="20000"/>
-          </a:bodyPr>
-          <a:lstStyle>
-            <a:lvl1pPr algn="l" eaLnBrk="0" hangingPunct="0">
-              <a:defRPr kumimoji="1">
-                <a:solidFill>
-                  <a:schemeClr val="tx1"/>
-                </a:solidFill>
-                <a:latin typeface="굴림" panose="020B0600000101010101" pitchFamily="50" charset="-127"/>
-                <a:ea typeface="굴림" panose="020B0600000101010101" pitchFamily="50" charset="-127"/>
-              </a:defRPr>
-            </a:lvl1pPr>
-            <a:lvl2pPr marL="742950" indent="-285750" algn="l" eaLnBrk="0" hangingPunct="0">
-              <a:defRPr kumimoji="1">
-                <a:solidFill>
-                  <a:schemeClr val="tx1"/>
-                </a:solidFill>
-                <a:latin typeface="굴림" panose="020B0600000101010101" pitchFamily="50" charset="-127"/>
-                <a:ea typeface="굴림" panose="020B0600000101010101" pitchFamily="50" charset="-127"/>
-              </a:defRPr>
-            </a:lvl2pPr>
-            <a:lvl3pPr marL="1143000" indent="-228600" algn="l" eaLnBrk="0" hangingPunct="0">
-              <a:defRPr kumimoji="1">
-                <a:solidFill>
-                  <a:schemeClr val="tx1"/>
-                </a:solidFill>
-                <a:latin typeface="굴림" panose="020B0600000101010101" pitchFamily="50" charset="-127"/>
-                <a:ea typeface="굴림" panose="020B0600000101010101" pitchFamily="50" charset="-127"/>
-              </a:defRPr>
-            </a:lvl3pPr>
-            <a:lvl4pPr marL="1600200" indent="-228600" algn="l" eaLnBrk="0" hangingPunct="0">
-              <a:defRPr kumimoji="1">
-                <a:solidFill>
-                  <a:schemeClr val="tx1"/>
-                </a:solidFill>
-                <a:latin typeface="굴림" panose="020B0600000101010101" pitchFamily="50" charset="-127"/>
-                <a:ea typeface="굴림" panose="020B0600000101010101" pitchFamily="50" charset="-127"/>
-              </a:defRPr>
-            </a:lvl4pPr>
-            <a:lvl5pPr marL="2057400" indent="-228600" algn="l" eaLnBrk="0" hangingPunct="0">
-              <a:defRPr kumimoji="1">
-                <a:solidFill>
-                  <a:schemeClr val="tx1"/>
-                </a:solidFill>
-                <a:latin typeface="굴림" panose="020B0600000101010101" pitchFamily="50" charset="-127"/>
-                <a:ea typeface="굴림" panose="020B0600000101010101" pitchFamily="50" charset="-127"/>
-              </a:defRPr>
-            </a:lvl5pPr>
-            <a:lvl6pPr marL="2514600" indent="-228600" eaLnBrk="0" fontAlgn="base" hangingPunct="0">
-              <a:spcBef>
-                <a:spcPct val="0"/>
-              </a:spcBef>
-              <a:spcAft>
-                <a:spcPct val="0"/>
-              </a:spcAft>
-              <a:defRPr kumimoji="1">
-                <a:solidFill>
-                  <a:schemeClr val="tx1"/>
-                </a:solidFill>
-                <a:latin typeface="굴림" panose="020B0600000101010101" pitchFamily="50" charset="-127"/>
-                <a:ea typeface="굴림" panose="020B0600000101010101" pitchFamily="50" charset="-127"/>
-              </a:defRPr>
-            </a:lvl6pPr>
-            <a:lvl7pPr marL="2971800" indent="-228600" eaLnBrk="0" fontAlgn="base" hangingPunct="0">
-              <a:spcBef>
-                <a:spcPct val="0"/>
-              </a:spcBef>
-              <a:spcAft>
-                <a:spcPct val="0"/>
-              </a:spcAft>
-              <a:defRPr kumimoji="1">
-                <a:solidFill>
-                  <a:schemeClr val="tx1"/>
-                </a:solidFill>
-                <a:latin typeface="굴림" panose="020B0600000101010101" pitchFamily="50" charset="-127"/>
-                <a:ea typeface="굴림" panose="020B0600000101010101" pitchFamily="50" charset="-127"/>
-              </a:defRPr>
-            </a:lvl7pPr>
-            <a:lvl8pPr marL="3429000" indent="-228600" eaLnBrk="0" fontAlgn="base" hangingPunct="0">
-              <a:spcBef>
-                <a:spcPct val="0"/>
-              </a:spcBef>
-              <a:spcAft>
-                <a:spcPct val="0"/>
-              </a:spcAft>
-              <a:defRPr kumimoji="1">
-                <a:solidFill>
-                  <a:schemeClr val="tx1"/>
-                </a:solidFill>
-                <a:latin typeface="굴림" panose="020B0600000101010101" pitchFamily="50" charset="-127"/>
-                <a:ea typeface="굴림" panose="020B0600000101010101" pitchFamily="50" charset="-127"/>
-              </a:defRPr>
-            </a:lvl8pPr>
-            <a:lvl9pPr marL="3886200" indent="-228600" eaLnBrk="0" fontAlgn="base" hangingPunct="0">
-              <a:spcBef>
-                <a:spcPct val="0"/>
-              </a:spcBef>
-              <a:spcAft>
-                <a:spcPct val="0"/>
-              </a:spcAft>
-              <a:defRPr kumimoji="1">
-                <a:solidFill>
-                  <a:schemeClr val="tx1"/>
-                </a:solidFill>
-                <a:latin typeface="굴림" panose="020B0600000101010101" pitchFamily="50" charset="-127"/>
-                <a:ea typeface="굴림" panose="020B0600000101010101" pitchFamily="50" charset="-127"/>
-              </a:defRPr>
-            </a:lvl9pPr>
-          </a:lstStyle>
-          <a:p>
-            <a:pPr algn="ctr" eaLnBrk="1" latinLnBrk="1" hangingPunct="1">
-              <a:defRPr/>
-            </a:pPr>
-            <a:r>
-              <a:rPr kumimoji="0" lang="en-US" altLang="ko-KR" b="1" dirty="0">
-                <a:solidFill>
-                  <a:srgbClr val="FFFFFF"/>
-                </a:solidFill>
-                <a:latin typeface="Verdana" panose="020B0604030504040204" pitchFamily="34" charset="0"/>
-              </a:rPr>
-              <a:t>3</a:t>
-            </a:r>
-            <a:endParaRPr kumimoji="0" lang="ko-KR" altLang="en-US" b="1" dirty="0">
-              <a:solidFill>
-                <a:srgbClr val="FFFFFF"/>
-              </a:solidFill>
-              <a:latin typeface="Verdana" panose="020B0604030504040204" pitchFamily="34" charset="0"/>
-            </a:endParaRPr>
-          </a:p>
-        </p:txBody>
-      </p:sp>
-      <p:sp>
-        <p:nvSpPr>
-          <p:cNvPr id="17" name="타원 111">
-            <a:extLst>
-              <a:ext uri="{FF2B5EF4-FFF2-40B4-BE49-F238E27FC236}">
-                <a16:creationId xmlns:a16="http://schemas.microsoft.com/office/drawing/2014/main" xmlns="" id="{2C0A3EB2-8298-41F4-B111-07E2A7D4A126}"/>
-              </a:ext>
-            </a:extLst>
-          </p:cNvPr>
-          <p:cNvSpPr/>
-          <p:nvPr/>
-        </p:nvSpPr>
-        <p:spPr>
-          <a:xfrm>
-            <a:off x="2867758" y="3361347"/>
-            <a:ext cx="214313" cy="214312"/>
-          </a:xfrm>
-          <a:prstGeom prst="ellipse">
-            <a:avLst/>
-          </a:prstGeom>
-          <a:solidFill>
-            <a:srgbClr val="FF0000"/>
-          </a:solidFill>
-          <a:ln>
-            <a:noFill/>
-          </a:ln>
-        </p:spPr>
-        <p:style>
-          <a:lnRef idx="2">
-            <a:schemeClr val="accent1">
-              <a:shade val="50000"/>
-            </a:schemeClr>
-          </a:lnRef>
-          <a:fillRef idx="1">
-            <a:schemeClr val="accent1"/>
-          </a:fillRef>
-          <a:effectRef idx="0">
-            <a:schemeClr val="accent1"/>
-          </a:effectRef>
-          <a:fontRef idx="minor">
-            <a:schemeClr val="lt1"/>
-          </a:fontRef>
-        </p:style>
-        <p:txBody>
-          <a:bodyPr lIns="0" tIns="0" rIns="0" bIns="0" anchor="ctr">
-            <a:normAutofit fontScale="62500" lnSpcReduction="20000"/>
-          </a:bodyPr>
-          <a:lstStyle/>
-          <a:p>
-            <a:pPr algn="ctr">
-              <a:defRPr/>
-            </a:pPr>
-            <a:r>
-              <a:rPr lang="en-US" altLang="ko-KR" b="1" dirty="0">
-                <a:latin typeface="Verdana" pitchFamily="34" charset="0"/>
-              </a:rPr>
-              <a:t>2</a:t>
-            </a:r>
-            <a:endParaRPr lang="ko-KR" altLang="en-US" b="1" dirty="0">
-              <a:latin typeface="Verdana" pitchFamily="34" charset="0"/>
+              <a:t> 메인화면으로 이동</a:t>
+            </a:r>
+            <a:endParaRPr lang="ko-KR" altLang="en-US" sz="1000">
+              <a:latin typeface="맑은 고딕"/>
+              <a:ea typeface="맑은 고딕"/>
             </a:endParaRPr>
           </a:p>
         </p:txBody>
@@ -4603,10 +3880,10 @@
           </p:cNvSpPr>
           <p:nvPr/>
         </p:nvSpPr>
-        <p:spPr bwMode="auto">
+        <p:spPr>
           <a:xfrm>
             <a:off x="2566989" y="549276"/>
-            <a:ext cx="697627" cy="246221"/>
+            <a:ext cx="829626" cy="246221"/>
           </a:xfrm>
           <a:prstGeom prst="rect">
             <a:avLst/>
@@ -4615,25 +3892,6 @@
           <a:ln>
             <a:noFill/>
           </a:ln>
-          <a:extLst>
-            <a:ext uri="{909E8E84-426E-40DD-AFC4-6F175D3DCCD1}">
-              <a14:hiddenFill xmlns:a14="http://schemas.microsoft.com/office/drawing/2010/main">
-                <a:solidFill>
-                  <a:srgbClr val="FFFFFF"/>
-                </a:solidFill>
-              </a14:hiddenFill>
-            </a:ext>
-            <a:ext uri="{91240B29-F687-4F45-9708-019B960494DF}">
-              <a14:hiddenLine xmlns:a14="http://schemas.microsoft.com/office/drawing/2010/main" w="9525">
-                <a:solidFill>
-                  <a:srgbClr val="000000"/>
-                </a:solidFill>
-                <a:miter lim="800000"/>
-                <a:headEnd/>
-                <a:tailEnd/>
-              </a14:hiddenLine>
-            </a:ext>
-          </a:extLst>
         </p:spPr>
         <p:txBody>
           <a:bodyPr wrap="none">
@@ -4644,65 +3902,65 @@
               <a:spcBef>
                 <a:spcPct val="20000"/>
               </a:spcBef>
-              <a:buFont typeface="Arial" panose="020B0604020202020204" pitchFamily="34" charset="0"/>
+              <a:buFont typeface="Arial"/>
               <a:buChar char="•"/>
               <a:defRPr sz="3200">
                 <a:solidFill>
                   <a:schemeClr val="tx1"/>
                 </a:solidFill>
-                <a:latin typeface="Arial" panose="020B0604020202020204" pitchFamily="34" charset="0"/>
+                <a:latin typeface="Arial"/>
               </a:defRPr>
             </a:lvl1pPr>
             <a:lvl2pPr marL="742950" indent="-285750" latinLnBrk="1">
               <a:spcBef>
                 <a:spcPct val="20000"/>
               </a:spcBef>
-              <a:buFont typeface="Arial" panose="020B0604020202020204" pitchFamily="34" charset="0"/>
+              <a:buFont typeface="Arial"/>
               <a:buChar char="–"/>
               <a:defRPr sz="2800">
                 <a:solidFill>
                   <a:schemeClr val="tx1"/>
                 </a:solidFill>
-                <a:latin typeface="Arial" panose="020B0604020202020204" pitchFamily="34" charset="0"/>
+                <a:latin typeface="Arial"/>
               </a:defRPr>
             </a:lvl2pPr>
             <a:lvl3pPr marL="1143000" indent="-228600" latinLnBrk="1">
               <a:spcBef>
                 <a:spcPct val="20000"/>
               </a:spcBef>
-              <a:buFont typeface="Arial" panose="020B0604020202020204" pitchFamily="34" charset="0"/>
+              <a:buFont typeface="Arial"/>
               <a:buChar char="•"/>
               <a:defRPr sz="2400">
                 <a:solidFill>
                   <a:schemeClr val="tx1"/>
                 </a:solidFill>
-                <a:latin typeface="Arial" panose="020B0604020202020204" pitchFamily="34" charset="0"/>
+                <a:latin typeface="Arial"/>
               </a:defRPr>
             </a:lvl3pPr>
             <a:lvl4pPr marL="1600200" indent="-228600" latinLnBrk="1">
               <a:spcBef>
                 <a:spcPct val="20000"/>
               </a:spcBef>
-              <a:buFont typeface="Arial" panose="020B0604020202020204" pitchFamily="34" charset="0"/>
+              <a:buFont typeface="Arial"/>
               <a:buChar char="–"/>
               <a:defRPr sz="2000">
                 <a:solidFill>
                   <a:schemeClr val="tx1"/>
                 </a:solidFill>
-                <a:latin typeface="Arial" panose="020B0604020202020204" pitchFamily="34" charset="0"/>
+                <a:latin typeface="Arial"/>
               </a:defRPr>
             </a:lvl4pPr>
             <a:lvl5pPr marL="2057400" indent="-228600" latinLnBrk="1">
               <a:spcBef>
                 <a:spcPct val="20000"/>
               </a:spcBef>
-              <a:buFont typeface="Arial" panose="020B0604020202020204" pitchFamily="34" charset="0"/>
-              <a:buChar char="»"/>
-              <a:defRPr sz="2000">
-                <a:solidFill>
-                  <a:schemeClr val="tx1"/>
-                </a:solidFill>
-                <a:latin typeface="Arial" panose="020B0604020202020204" pitchFamily="34" charset="0"/>
+              <a:buFont typeface="Arial"/>
+              <a:buChar char="»"/>
+              <a:defRPr sz="2000">
+                <a:solidFill>
+                  <a:schemeClr val="tx1"/>
+                </a:solidFill>
+                <a:latin typeface="Arial"/>
               </a:defRPr>
             </a:lvl5pPr>
             <a:lvl6pPr marL="2514600" indent="-228600" eaLnBrk="0" fontAlgn="base" hangingPunct="0">
@@ -4712,13 +3970,13 @@
               <a:spcAft>
                 <a:spcPct val="0"/>
               </a:spcAft>
-              <a:buFont typeface="Arial" panose="020B0604020202020204" pitchFamily="34" charset="0"/>
-              <a:buChar char="»"/>
-              <a:defRPr sz="2000">
-                <a:solidFill>
-                  <a:schemeClr val="tx1"/>
-                </a:solidFill>
-                <a:latin typeface="Arial" panose="020B0604020202020204" pitchFamily="34" charset="0"/>
+              <a:buFont typeface="Arial"/>
+              <a:buChar char="»"/>
+              <a:defRPr sz="2000">
+                <a:solidFill>
+                  <a:schemeClr val="tx1"/>
+                </a:solidFill>
+                <a:latin typeface="Arial"/>
               </a:defRPr>
             </a:lvl6pPr>
             <a:lvl7pPr marL="2971800" indent="-228600" eaLnBrk="0" fontAlgn="base" hangingPunct="0">
@@ -4728,13 +3986,13 @@
               <a:spcAft>
                 <a:spcPct val="0"/>
               </a:spcAft>
-              <a:buFont typeface="Arial" panose="020B0604020202020204" pitchFamily="34" charset="0"/>
-              <a:buChar char="»"/>
-              <a:defRPr sz="2000">
-                <a:solidFill>
-                  <a:schemeClr val="tx1"/>
-                </a:solidFill>
-                <a:latin typeface="Arial" panose="020B0604020202020204" pitchFamily="34" charset="0"/>
+              <a:buFont typeface="Arial"/>
+              <a:buChar char="»"/>
+              <a:defRPr sz="2000">
+                <a:solidFill>
+                  <a:schemeClr val="tx1"/>
+                </a:solidFill>
+                <a:latin typeface="Arial"/>
               </a:defRPr>
             </a:lvl7pPr>
             <a:lvl8pPr marL="3429000" indent="-228600" eaLnBrk="0" fontAlgn="base" hangingPunct="0">
@@ -4744,13 +4002,13 @@
               <a:spcAft>
                 <a:spcPct val="0"/>
               </a:spcAft>
-              <a:buFont typeface="Arial" panose="020B0604020202020204" pitchFamily="34" charset="0"/>
-              <a:buChar char="»"/>
-              <a:defRPr sz="2000">
-                <a:solidFill>
-                  <a:schemeClr val="tx1"/>
-                </a:solidFill>
-                <a:latin typeface="Arial" panose="020B0604020202020204" pitchFamily="34" charset="0"/>
+              <a:buFont typeface="Arial"/>
+              <a:buChar char="»"/>
+              <a:defRPr sz="2000">
+                <a:solidFill>
+                  <a:schemeClr val="tx1"/>
+                </a:solidFill>
+                <a:latin typeface="Arial"/>
               </a:defRPr>
             </a:lvl8pPr>
             <a:lvl9pPr marL="3886200" indent="-228600" eaLnBrk="0" fontAlgn="base" hangingPunct="0">
@@ -4760,13 +4018,13 @@
               <a:spcAft>
                 <a:spcPct val="0"/>
               </a:spcAft>
-              <a:buFont typeface="Arial" panose="020B0604020202020204" pitchFamily="34" charset="0"/>
-              <a:buChar char="»"/>
-              <a:defRPr sz="2000">
-                <a:solidFill>
-                  <a:schemeClr val="tx1"/>
-                </a:solidFill>
-                <a:latin typeface="Arial" panose="020B0604020202020204" pitchFamily="34" charset="0"/>
+              <a:buFont typeface="Arial"/>
+              <a:buChar char="»"/>
+              <a:defRPr sz="2000">
+                <a:solidFill>
+                  <a:schemeClr val="tx1"/>
+                </a:solidFill>
+                <a:latin typeface="Arial"/>
               </a:defRPr>
             </a:lvl9pPr>
           </a:lstStyle>
@@ -4777,14 +4035,19 @@
               </a:spcBef>
               <a:buFontTx/>
               <a:buNone/>
+              <a:defRPr/>
             </a:pPr>
             <a:r>
-              <a:rPr lang="ko-KR" altLang="en-US" sz="1000" b="1" dirty="0">
-                <a:latin typeface="Verdana" panose="020B0604030504040204" pitchFamily="34" charset="0"/>
-                <a:ea typeface="맑은 고딕" panose="020B0503020000020004" pitchFamily="50" charset="-127"/>
+              <a:rPr lang="ko-KR" altLang="en-US" sz="1000" b="1">
+                <a:latin typeface="Verdana"/>
+                <a:ea typeface="맑은 고딕"/>
               </a:rPr>
-              <a:t>초기화면</a:t>
-            </a:r>
+              <a:t>단어장화면</a:t>
+            </a:r>
+            <a:endParaRPr lang="ko-KR" altLang="en-US" sz="1000" b="1">
+              <a:latin typeface="Verdana"/>
+              <a:ea typeface="맑은 고딕"/>
+            </a:endParaRPr>
           </a:p>
         </p:txBody>
       </p:sp>
@@ -4796,7 +4059,7 @@
           </p:cNvSpPr>
           <p:nvPr/>
         </p:nvSpPr>
-        <p:spPr bwMode="auto">
+        <p:spPr>
           <a:xfrm>
             <a:off x="5705475" y="557213"/>
             <a:ext cx="1072730" cy="230832"/>
@@ -4808,25 +4071,6 @@
           <a:ln>
             <a:noFill/>
           </a:ln>
-          <a:extLst>
-            <a:ext uri="{909E8E84-426E-40DD-AFC4-6F175D3DCCD1}">
-              <a14:hiddenFill xmlns:a14="http://schemas.microsoft.com/office/drawing/2010/main">
-                <a:solidFill>
-                  <a:srgbClr val="FFFFFF"/>
-                </a:solidFill>
-              </a14:hiddenFill>
-            </a:ext>
-            <a:ext uri="{91240B29-F687-4F45-9708-019B960494DF}">
-              <a14:hiddenLine xmlns:a14="http://schemas.microsoft.com/office/drawing/2010/main" w="9525">
-                <a:solidFill>
-                  <a:srgbClr val="000000"/>
-                </a:solidFill>
-                <a:miter lim="800000"/>
-                <a:headEnd/>
-                <a:tailEnd/>
-              </a14:hiddenLine>
-            </a:ext>
-          </a:extLst>
         </p:spPr>
         <p:txBody>
           <a:bodyPr wrap="none">
@@ -4837,65 +4081,65 @@
               <a:spcBef>
                 <a:spcPct val="20000"/>
               </a:spcBef>
-              <a:buFont typeface="Arial" panose="020B0604020202020204" pitchFamily="34" charset="0"/>
+              <a:buFont typeface="Arial"/>
               <a:buChar char="•"/>
               <a:defRPr sz="3200">
                 <a:solidFill>
                   <a:schemeClr val="tx1"/>
                 </a:solidFill>
-                <a:latin typeface="Arial" panose="020B0604020202020204" pitchFamily="34" charset="0"/>
+                <a:latin typeface="Arial"/>
               </a:defRPr>
             </a:lvl1pPr>
             <a:lvl2pPr marL="742950" indent="-285750" latinLnBrk="1">
               <a:spcBef>
                 <a:spcPct val="20000"/>
               </a:spcBef>
-              <a:buFont typeface="Arial" panose="020B0604020202020204" pitchFamily="34" charset="0"/>
+              <a:buFont typeface="Arial"/>
               <a:buChar char="–"/>
               <a:defRPr sz="2800">
                 <a:solidFill>
                   <a:schemeClr val="tx1"/>
                 </a:solidFill>
-                <a:latin typeface="Arial" panose="020B0604020202020204" pitchFamily="34" charset="0"/>
+                <a:latin typeface="Arial"/>
               </a:defRPr>
             </a:lvl2pPr>
             <a:lvl3pPr marL="1143000" indent="-228600" latinLnBrk="1">
               <a:spcBef>
                 <a:spcPct val="20000"/>
               </a:spcBef>
-              <a:buFont typeface="Arial" panose="020B0604020202020204" pitchFamily="34" charset="0"/>
+              <a:buFont typeface="Arial"/>
               <a:buChar char="•"/>
               <a:defRPr sz="2400">
                 <a:solidFill>
                   <a:schemeClr val="tx1"/>
                 </a:solidFill>
-                <a:latin typeface="Arial" panose="020B0604020202020204" pitchFamily="34" charset="0"/>
+                <a:latin typeface="Arial"/>
               </a:defRPr>
             </a:lvl3pPr>
             <a:lvl4pPr marL="1600200" indent="-228600" latinLnBrk="1">
               <a:spcBef>
                 <a:spcPct val="20000"/>
               </a:spcBef>
-              <a:buFont typeface="Arial" panose="020B0604020202020204" pitchFamily="34" charset="0"/>
+              <a:buFont typeface="Arial"/>
               <a:buChar char="–"/>
               <a:defRPr sz="2000">
                 <a:solidFill>
                   <a:schemeClr val="tx1"/>
                 </a:solidFill>
-                <a:latin typeface="Arial" panose="020B0604020202020204" pitchFamily="34" charset="0"/>
+                <a:latin typeface="Arial"/>
               </a:defRPr>
             </a:lvl4pPr>
             <a:lvl5pPr marL="2057400" indent="-228600" latinLnBrk="1">
               <a:spcBef>
                 <a:spcPct val="20000"/>
               </a:spcBef>
-              <a:buFont typeface="Arial" panose="020B0604020202020204" pitchFamily="34" charset="0"/>
-              <a:buChar char="»"/>
-              <a:defRPr sz="2000">
-                <a:solidFill>
-                  <a:schemeClr val="tx1"/>
-                </a:solidFill>
-                <a:latin typeface="Arial" panose="020B0604020202020204" pitchFamily="34" charset="0"/>
+              <a:buFont typeface="Arial"/>
+              <a:buChar char="»"/>
+              <a:defRPr sz="2000">
+                <a:solidFill>
+                  <a:schemeClr val="tx1"/>
+                </a:solidFill>
+                <a:latin typeface="Arial"/>
               </a:defRPr>
             </a:lvl5pPr>
             <a:lvl6pPr marL="2514600" indent="-228600" eaLnBrk="0" fontAlgn="base" hangingPunct="0">
@@ -4905,13 +4149,13 @@
               <a:spcAft>
                 <a:spcPct val="0"/>
               </a:spcAft>
-              <a:buFont typeface="Arial" panose="020B0604020202020204" pitchFamily="34" charset="0"/>
-              <a:buChar char="»"/>
-              <a:defRPr sz="2000">
-                <a:solidFill>
-                  <a:schemeClr val="tx1"/>
-                </a:solidFill>
-                <a:latin typeface="Arial" panose="020B0604020202020204" pitchFamily="34" charset="0"/>
+              <a:buFont typeface="Arial"/>
+              <a:buChar char="»"/>
+              <a:defRPr sz="2000">
+                <a:solidFill>
+                  <a:schemeClr val="tx1"/>
+                </a:solidFill>
+                <a:latin typeface="Arial"/>
               </a:defRPr>
             </a:lvl6pPr>
             <a:lvl7pPr marL="2971800" indent="-228600" eaLnBrk="0" fontAlgn="base" hangingPunct="0">
@@ -4921,13 +4165,13 @@
               <a:spcAft>
                 <a:spcPct val="0"/>
               </a:spcAft>
-              <a:buFont typeface="Arial" panose="020B0604020202020204" pitchFamily="34" charset="0"/>
-              <a:buChar char="»"/>
-              <a:defRPr sz="2000">
-                <a:solidFill>
-                  <a:schemeClr val="tx1"/>
-                </a:solidFill>
-                <a:latin typeface="Arial" panose="020B0604020202020204" pitchFamily="34" charset="0"/>
+              <a:buFont typeface="Arial"/>
+              <a:buChar char="»"/>
+              <a:defRPr sz="2000">
+                <a:solidFill>
+                  <a:schemeClr val="tx1"/>
+                </a:solidFill>
+                <a:latin typeface="Arial"/>
               </a:defRPr>
             </a:lvl7pPr>
             <a:lvl8pPr marL="3429000" indent="-228600" eaLnBrk="0" fontAlgn="base" hangingPunct="0">
@@ -4937,13 +4181,13 @@
               <a:spcAft>
                 <a:spcPct val="0"/>
               </a:spcAft>
-              <a:buFont typeface="Arial" panose="020B0604020202020204" pitchFamily="34" charset="0"/>
-              <a:buChar char="»"/>
-              <a:defRPr sz="2000">
-                <a:solidFill>
-                  <a:schemeClr val="tx1"/>
-                </a:solidFill>
-                <a:latin typeface="Arial" panose="020B0604020202020204" pitchFamily="34" charset="0"/>
+              <a:buFont typeface="Arial"/>
+              <a:buChar char="»"/>
+              <a:defRPr sz="2000">
+                <a:solidFill>
+                  <a:schemeClr val="tx1"/>
+                </a:solidFill>
+                <a:latin typeface="Arial"/>
               </a:defRPr>
             </a:lvl8pPr>
             <a:lvl9pPr marL="3886200" indent="-228600" eaLnBrk="0" fontAlgn="base" hangingPunct="0">
@@ -4953,13 +4197,13 @@
               <a:spcAft>
                 <a:spcPct val="0"/>
               </a:spcAft>
-              <a:buFont typeface="Arial" panose="020B0604020202020204" pitchFamily="34" charset="0"/>
-              <a:buChar char="»"/>
-              <a:defRPr sz="2000">
-                <a:solidFill>
-                  <a:schemeClr val="tx1"/>
-                </a:solidFill>
-                <a:latin typeface="Arial" panose="020B0604020202020204" pitchFamily="34" charset="0"/>
+              <a:buFont typeface="Arial"/>
+              <a:buChar char="»"/>
+              <a:defRPr sz="2000">
+                <a:solidFill>
+                  <a:schemeClr val="tx1"/>
+                </a:solidFill>
+                <a:latin typeface="Arial"/>
               </a:defRPr>
             </a:lvl9pPr>
           </a:lstStyle>
@@ -4970,14 +4214,19 @@
               </a:spcBef>
               <a:buFontTx/>
               <a:buNone/>
+              <a:defRPr/>
             </a:pPr>
             <a:r>
-              <a:rPr lang="ko-KR" altLang="en-US" sz="900" dirty="0">
-                <a:latin typeface="Verdana" panose="020B0604030504040204" pitchFamily="34" charset="0"/>
-                <a:ea typeface="맑은 고딕" panose="020B0503020000020004" pitchFamily="50" charset="-127"/>
+              <a:rPr lang="ko-KR" altLang="en-US" sz="900">
+                <a:latin typeface="Verdana"/>
+                <a:ea typeface="맑은 고딕"/>
               </a:rPr>
               <a:t>초기 화면에 적용</a:t>
             </a:r>
+            <a:endParaRPr lang="ko-KR" altLang="en-US" sz="900">
+              <a:latin typeface="Verdana"/>
+              <a:ea typeface="맑은 고딕"/>
+            </a:endParaRPr>
           </a:p>
         </p:txBody>
       </p:sp>
@@ -4989,7 +4238,7 @@
           </p:cNvSpPr>
           <p:nvPr/>
         </p:nvSpPr>
-        <p:spPr bwMode="auto">
+        <p:spPr>
           <a:xfrm>
             <a:off x="584560" y="513407"/>
             <a:ext cx="508000" cy="274638"/>
@@ -5001,25 +4250,6 @@
           <a:ln>
             <a:noFill/>
           </a:ln>
-          <a:extLst>
-            <a:ext uri="{909E8E84-426E-40DD-AFC4-6F175D3DCCD1}">
-              <a14:hiddenFill xmlns:a14="http://schemas.microsoft.com/office/drawing/2010/main">
-                <a:solidFill>
-                  <a:srgbClr val="FFFFFF"/>
-                </a:solidFill>
-              </a14:hiddenFill>
-            </a:ext>
-            <a:ext uri="{91240B29-F687-4F45-9708-019B960494DF}">
-              <a14:hiddenLine xmlns:a14="http://schemas.microsoft.com/office/drawing/2010/main" w="9525">
-                <a:solidFill>
-                  <a:srgbClr val="000000"/>
-                </a:solidFill>
-                <a:miter lim="800000"/>
-                <a:headEnd/>
-                <a:tailEnd/>
-              </a14:hiddenLine>
-            </a:ext>
-          </a:extLst>
         </p:spPr>
         <p:txBody>
           <a:bodyPr wrap="none">
@@ -5030,65 +4260,65 @@
               <a:spcBef>
                 <a:spcPct val="20000"/>
               </a:spcBef>
-              <a:buFont typeface="Arial" panose="020B0604020202020204" pitchFamily="34" charset="0"/>
+              <a:buFont typeface="Arial"/>
               <a:buChar char="•"/>
               <a:defRPr sz="3200">
                 <a:solidFill>
                   <a:schemeClr val="tx1"/>
                 </a:solidFill>
-                <a:latin typeface="Arial" panose="020B0604020202020204" pitchFamily="34" charset="0"/>
+                <a:latin typeface="Arial"/>
               </a:defRPr>
             </a:lvl1pPr>
             <a:lvl2pPr marL="742950" indent="-285750" latinLnBrk="1">
               <a:spcBef>
                 <a:spcPct val="20000"/>
               </a:spcBef>
-              <a:buFont typeface="Arial" panose="020B0604020202020204" pitchFamily="34" charset="0"/>
+              <a:buFont typeface="Arial"/>
               <a:buChar char="–"/>
               <a:defRPr sz="2800">
                 <a:solidFill>
                   <a:schemeClr val="tx1"/>
                 </a:solidFill>
-                <a:latin typeface="Arial" panose="020B0604020202020204" pitchFamily="34" charset="0"/>
+                <a:latin typeface="Arial"/>
               </a:defRPr>
             </a:lvl2pPr>
             <a:lvl3pPr marL="1143000" indent="-228600" latinLnBrk="1">
               <a:spcBef>
                 <a:spcPct val="20000"/>
               </a:spcBef>
-              <a:buFont typeface="Arial" panose="020B0604020202020204" pitchFamily="34" charset="0"/>
+              <a:buFont typeface="Arial"/>
               <a:buChar char="•"/>
               <a:defRPr sz="2400">
                 <a:solidFill>
                   <a:schemeClr val="tx1"/>
                 </a:solidFill>
-                <a:latin typeface="Arial" panose="020B0604020202020204" pitchFamily="34" charset="0"/>
+                <a:latin typeface="Arial"/>
               </a:defRPr>
             </a:lvl3pPr>
             <a:lvl4pPr marL="1600200" indent="-228600" latinLnBrk="1">
               <a:spcBef>
                 <a:spcPct val="20000"/>
               </a:spcBef>
-              <a:buFont typeface="Arial" panose="020B0604020202020204" pitchFamily="34" charset="0"/>
+              <a:buFont typeface="Arial"/>
               <a:buChar char="–"/>
               <a:defRPr sz="2000">
                 <a:solidFill>
                   <a:schemeClr val="tx1"/>
                 </a:solidFill>
-                <a:latin typeface="Arial" panose="020B0604020202020204" pitchFamily="34" charset="0"/>
+                <a:latin typeface="Arial"/>
               </a:defRPr>
             </a:lvl4pPr>
             <a:lvl5pPr marL="2057400" indent="-228600" latinLnBrk="1">
               <a:spcBef>
                 <a:spcPct val="20000"/>
               </a:spcBef>
-              <a:buFont typeface="Arial" panose="020B0604020202020204" pitchFamily="34" charset="0"/>
-              <a:buChar char="»"/>
-              <a:defRPr sz="2000">
-                <a:solidFill>
-                  <a:schemeClr val="tx1"/>
-                </a:solidFill>
-                <a:latin typeface="Arial" panose="020B0604020202020204" pitchFamily="34" charset="0"/>
+              <a:buFont typeface="Arial"/>
+              <a:buChar char="»"/>
+              <a:defRPr sz="2000">
+                <a:solidFill>
+                  <a:schemeClr val="tx1"/>
+                </a:solidFill>
+                <a:latin typeface="Arial"/>
               </a:defRPr>
             </a:lvl5pPr>
             <a:lvl6pPr marL="2514600" indent="-228600" eaLnBrk="0" fontAlgn="base" hangingPunct="0">
@@ -5098,13 +4328,13 @@
               <a:spcAft>
                 <a:spcPct val="0"/>
               </a:spcAft>
-              <a:buFont typeface="Arial" panose="020B0604020202020204" pitchFamily="34" charset="0"/>
-              <a:buChar char="»"/>
-              <a:defRPr sz="2000">
-                <a:solidFill>
-                  <a:schemeClr val="tx1"/>
-                </a:solidFill>
-                <a:latin typeface="Arial" panose="020B0604020202020204" pitchFamily="34" charset="0"/>
+              <a:buFont typeface="Arial"/>
+              <a:buChar char="»"/>
+              <a:defRPr sz="2000">
+                <a:solidFill>
+                  <a:schemeClr val="tx1"/>
+                </a:solidFill>
+                <a:latin typeface="Arial"/>
               </a:defRPr>
             </a:lvl6pPr>
             <a:lvl7pPr marL="2971800" indent="-228600" eaLnBrk="0" fontAlgn="base" hangingPunct="0">
@@ -5114,13 +4344,13 @@
               <a:spcAft>
                 <a:spcPct val="0"/>
               </a:spcAft>
-              <a:buFont typeface="Arial" panose="020B0604020202020204" pitchFamily="34" charset="0"/>
-              <a:buChar char="»"/>
-              <a:defRPr sz="2000">
-                <a:solidFill>
-                  <a:schemeClr val="tx1"/>
-                </a:solidFill>
-                <a:latin typeface="Arial" panose="020B0604020202020204" pitchFamily="34" charset="0"/>
+              <a:buFont typeface="Arial"/>
+              <a:buChar char="»"/>
+              <a:defRPr sz="2000">
+                <a:solidFill>
+                  <a:schemeClr val="tx1"/>
+                </a:solidFill>
+                <a:latin typeface="Arial"/>
               </a:defRPr>
             </a:lvl7pPr>
             <a:lvl8pPr marL="3429000" indent="-228600" eaLnBrk="0" fontAlgn="base" hangingPunct="0">
@@ -5130,13 +4360,13 @@
               <a:spcAft>
                 <a:spcPct val="0"/>
               </a:spcAft>
-              <a:buFont typeface="Arial" panose="020B0604020202020204" pitchFamily="34" charset="0"/>
-              <a:buChar char="»"/>
-              <a:defRPr sz="2000">
-                <a:solidFill>
-                  <a:schemeClr val="tx1"/>
-                </a:solidFill>
-                <a:latin typeface="Arial" panose="020B0604020202020204" pitchFamily="34" charset="0"/>
+              <a:buFont typeface="Arial"/>
+              <a:buChar char="»"/>
+              <a:defRPr sz="2000">
+                <a:solidFill>
+                  <a:schemeClr val="tx1"/>
+                </a:solidFill>
+                <a:latin typeface="Arial"/>
               </a:defRPr>
             </a:lvl8pPr>
             <a:lvl9pPr marL="3886200" indent="-228600" eaLnBrk="0" fontAlgn="base" hangingPunct="0">
@@ -5146,13 +4376,13 @@
               <a:spcAft>
                 <a:spcPct val="0"/>
               </a:spcAft>
-              <a:buFont typeface="Arial" panose="020B0604020202020204" pitchFamily="34" charset="0"/>
-              <a:buChar char="»"/>
-              <a:defRPr sz="2000">
-                <a:solidFill>
-                  <a:schemeClr val="tx1"/>
-                </a:solidFill>
-                <a:latin typeface="Arial" panose="020B0604020202020204" pitchFamily="34" charset="0"/>
+              <a:buFont typeface="Arial"/>
+              <a:buChar char="»"/>
+              <a:defRPr sz="2000">
+                <a:solidFill>
+                  <a:schemeClr val="tx1"/>
+                </a:solidFill>
+                <a:latin typeface="Arial"/>
               </a:defRPr>
             </a:lvl9pPr>
           </a:lstStyle>
@@ -5163,14 +4393,19 @@
               </a:spcBef>
               <a:buFontTx/>
               <a:buNone/>
+              <a:defRPr/>
             </a:pPr>
             <a:r>
-              <a:rPr lang="en-US" altLang="ko-KR" sz="1200" b="1" dirty="0">
-                <a:latin typeface="Verdana" panose="020B0604030504040204" pitchFamily="34" charset="0"/>
-                <a:ea typeface="맑은 고딕" panose="020B0503020000020004" pitchFamily="50" charset="-127"/>
+              <a:rPr lang="en-US" altLang="ko-KR" sz="1200" b="1">
+                <a:latin typeface="Verdana"/>
+                <a:ea typeface="맑은 고딕"/>
               </a:rPr>
               <a:t>001</a:t>
             </a:r>
+            <a:endParaRPr lang="en-US" altLang="ko-KR" sz="1200" b="1">
+              <a:latin typeface="Verdana"/>
+              <a:ea typeface="맑은 고딕"/>
+            </a:endParaRPr>
           </a:p>
         </p:txBody>
       </p:sp>
@@ -5354,16 +4589,537 @@
           </a:fontRef>
         </p:style>
       </p:cxnSp>
+      <p:pic>
+        <p:nvPicPr>
+          <p:cNvPr id="38" name=""/>
+          <p:cNvPicPr>
+            <a:picLocks noChangeAspect="1"/>
+          </p:cNvPicPr>
+          <p:nvPr/>
+        </p:nvPicPr>
+        <p:blipFill rotWithShape="1">
+          <a:blip r:embed="rId2"/>
+          <a:stretch>
+            <a:fillRect/>
+          </a:stretch>
+        </p:blipFill>
+        <p:spPr>
+          <a:xfrm>
+            <a:off x="338137" y="1014412"/>
+            <a:ext cx="3124199" cy="5396345"/>
+          </a:xfrm>
+          <a:prstGeom prst="rect">
+            <a:avLst/>
+          </a:prstGeom>
+        </p:spPr>
+      </p:pic>
+      <p:pic>
+        <p:nvPicPr>
+          <p:cNvPr id="39" name=""/>
+          <p:cNvPicPr>
+            <a:picLocks noChangeAspect="1"/>
+          </p:cNvPicPr>
+          <p:nvPr/>
+        </p:nvPicPr>
+        <p:blipFill rotWithShape="1">
+          <a:blip r:embed="rId3"/>
+          <a:stretch>
+            <a:fillRect/>
+          </a:stretch>
+        </p:blipFill>
+        <p:spPr>
+          <a:xfrm>
+            <a:off x="4271890" y="1490582"/>
+            <a:ext cx="1038369" cy="1152685"/>
+          </a:xfrm>
+          <a:prstGeom prst="rect">
+            <a:avLst/>
+          </a:prstGeom>
+        </p:spPr>
+      </p:pic>
+      <p:sp>
+        <p:nvSpPr>
+          <p:cNvPr id="40" name="TextBox 4"/>
+          <p:cNvSpPr txBox="1">
+            <a:spLocks noChangeArrowheads="1"/>
+          </p:cNvSpPr>
+          <p:nvPr/>
+        </p:nvSpPr>
+        <p:spPr>
+          <a:xfrm>
+            <a:off x="5532384" y="1655764"/>
+            <a:ext cx="1798056" cy="1028381"/>
+          </a:xfrm>
+          <a:prstGeom prst="rect">
+            <a:avLst/>
+          </a:prstGeom>
+          <a:noFill/>
+          <a:ln>
+            <a:noFill/>
+          </a:ln>
+        </p:spPr>
+        <p:txBody>
+          <a:bodyPr wrap="none">
+            <a:spAutoFit/>
+          </a:bodyPr>
+          <a:p>
+            <a:pPr marL="0" indent="0" algn="l" defTabSz="914400" rtl="0" eaLnBrk="1" latinLnBrk="1" hangingPunct="1">
+              <a:lnSpc>
+                <a:spcPct val="140000"/>
+              </a:lnSpc>
+              <a:spcBef>
+                <a:spcPct val="0"/>
+              </a:spcBef>
+              <a:spcAft>
+                <a:spcPts val="0"/>
+              </a:spcAft>
+              <a:buFont typeface="Arial"/>
+              <a:buFontTx/>
+              <a:buNone/>
+              <a:defRPr/>
+            </a:pPr>
+            <a:r>
+              <a:rPr xmlns:mc="http://schemas.openxmlformats.org/markup-compatibility/2006" xmlns:hp="http://schemas.haansoft.com/office/presentation/8.0" kumimoji="0" lang="ko-KR" altLang="en-US" sz="1100" b="1" i="0" u="none" strike="noStrike" kern="1200" cap="none" spc="0" normalizeH="0" baseline="0" mc:Ignorable="hp" hp:hslEmbossed="0">
+                <a:solidFill>
+                  <a:srgbClr val="000000"/>
+                </a:solidFill>
+                <a:latin typeface="맑은 고딕"/>
+                <a:ea typeface="맑은 고딕"/>
+              </a:rPr>
+              <a:t>교과서 버튼</a:t>
+            </a:r>
+            <a:endParaRPr xmlns:mc="http://schemas.openxmlformats.org/markup-compatibility/2006" xmlns:hp="http://schemas.haansoft.com/office/presentation/8.0" kumimoji="0" lang="ko-KR" altLang="en-US" sz="1100" b="1" i="0" u="none" strike="noStrike" kern="1200" cap="none" spc="0" normalizeH="0" baseline="0" mc:Ignorable="hp" hp:hslEmbossed="0">
+              <a:solidFill>
+                <a:srgbClr val="000000"/>
+              </a:solidFill>
+              <a:latin typeface="맑은 고딕"/>
+              <a:ea typeface="맑은 고딕"/>
+            </a:endParaRPr>
+          </a:p>
+          <a:p>
+            <a:pPr marL="0" indent="0" algn="l" defTabSz="914400" rtl="0" eaLnBrk="1" latinLnBrk="1" hangingPunct="1">
+              <a:lnSpc>
+                <a:spcPct val="140000"/>
+              </a:lnSpc>
+              <a:spcBef>
+                <a:spcPct val="0"/>
+              </a:spcBef>
+              <a:spcAft>
+                <a:spcPts val="0"/>
+              </a:spcAft>
+              <a:buFont typeface="Arial"/>
+              <a:buFontTx/>
+              <a:buNone/>
+              <a:defRPr/>
+            </a:pPr>
+            <a:r>
+              <a:rPr xmlns:mc="http://schemas.openxmlformats.org/markup-compatibility/2006" xmlns:hp="http://schemas.haansoft.com/office/presentation/8.0" kumimoji="0" lang="en-US" altLang="ko-KR" sz="1100" b="1" i="0" u="none" strike="noStrike" kern="1200" cap="none" spc="0" normalizeH="0" baseline="0" mc:Ignorable="hp" hp:hslEmbossed="0">
+                <a:solidFill>
+                  <a:srgbClr val="000000"/>
+                </a:solidFill>
+                <a:latin typeface="맑은 고딕"/>
+                <a:ea typeface="맑은 고딕"/>
+              </a:rPr>
+              <a:t>1.</a:t>
+            </a:r>
+            <a:r>
+              <a:rPr xmlns:mc="http://schemas.openxmlformats.org/markup-compatibility/2006" xmlns:hp="http://schemas.haansoft.com/office/presentation/8.0" kumimoji="0" lang="ko-KR" altLang="en-US" sz="1100" b="1" i="0" u="none" strike="noStrike" kern="1200" cap="none" spc="0" normalizeH="0" baseline="0" mc:Ignorable="hp" hp:hslEmbossed="0">
+                <a:solidFill>
+                  <a:srgbClr val="000000"/>
+                </a:solidFill>
+                <a:latin typeface="맑은 고딕"/>
+                <a:ea typeface="맑은 고딕"/>
+              </a:rPr>
+              <a:t> 전체 버튼 이미지</a:t>
+            </a:r>
+            <a:endParaRPr xmlns:mc="http://schemas.openxmlformats.org/markup-compatibility/2006" xmlns:hp="http://schemas.haansoft.com/office/presentation/8.0" kumimoji="0" lang="ko-KR" altLang="en-US" sz="1100" b="1" i="0" u="none" strike="noStrike" kern="1200" cap="none" spc="0" normalizeH="0" baseline="0" mc:Ignorable="hp" hp:hslEmbossed="0">
+              <a:solidFill>
+                <a:srgbClr val="000000"/>
+              </a:solidFill>
+              <a:latin typeface="맑은 고딕"/>
+              <a:ea typeface="맑은 고딕"/>
+            </a:endParaRPr>
+          </a:p>
+          <a:p>
+            <a:pPr marL="0" indent="0" algn="l" defTabSz="914400" rtl="0" eaLnBrk="1" latinLnBrk="1" hangingPunct="1">
+              <a:lnSpc>
+                <a:spcPct val="140000"/>
+              </a:lnSpc>
+              <a:spcBef>
+                <a:spcPct val="0"/>
+              </a:spcBef>
+              <a:spcAft>
+                <a:spcPts val="0"/>
+              </a:spcAft>
+              <a:buFont typeface="Arial"/>
+              <a:buFontTx/>
+              <a:buNone/>
+              <a:defRPr/>
+            </a:pPr>
+            <a:r>
+              <a:rPr xmlns:mc="http://schemas.openxmlformats.org/markup-compatibility/2006" xmlns:hp="http://schemas.haansoft.com/office/presentation/8.0" kumimoji="0" lang="en-US" altLang="ko-KR" sz="1100" b="1" i="0" u="none" strike="noStrike" kern="1200" cap="none" spc="0" normalizeH="0" baseline="0" mc:Ignorable="hp" hp:hslEmbossed="0">
+                <a:solidFill>
+                  <a:srgbClr val="000000"/>
+                </a:solidFill>
+                <a:latin typeface="맑은 고딕"/>
+                <a:ea typeface="맑은 고딕"/>
+              </a:rPr>
+              <a:t>2.</a:t>
+            </a:r>
+            <a:r>
+              <a:rPr xmlns:mc="http://schemas.openxmlformats.org/markup-compatibility/2006" xmlns:hp="http://schemas.haansoft.com/office/presentation/8.0" kumimoji="0" lang="ko-KR" altLang="en-US" sz="1100" b="1" i="0" u="none" strike="noStrike" kern="1200" cap="none" spc="0" normalizeH="0" baseline="0" mc:Ignorable="hp" hp:hslEmbossed="0">
+                <a:solidFill>
+                  <a:srgbClr val="000000"/>
+                </a:solidFill>
+                <a:latin typeface="맑은 고딕"/>
+                <a:ea typeface="맑은 고딕"/>
+              </a:rPr>
+              <a:t> 텍스트 </a:t>
+            </a:r>
+            <a:r>
+              <a:rPr xmlns:mc="http://schemas.openxmlformats.org/markup-compatibility/2006" xmlns:hp="http://schemas.haansoft.com/office/presentation/8.0" kumimoji="0" lang="en-US" altLang="ko-KR" sz="1100" b="1" i="0" u="none" strike="noStrike" kern="1200" cap="none" spc="0" normalizeH="0" baseline="0" mc:Ignorable="hp" hp:hslEmbossed="0">
+                <a:solidFill>
+                  <a:srgbClr val="000000"/>
+                </a:solidFill>
+                <a:latin typeface="맑은 고딕"/>
+                <a:ea typeface="맑은 고딕"/>
+              </a:rPr>
+              <a:t>:</a:t>
+            </a:r>
+            <a:r>
+              <a:rPr xmlns:mc="http://schemas.openxmlformats.org/markup-compatibility/2006" xmlns:hp="http://schemas.haansoft.com/office/presentation/8.0" kumimoji="0" lang="ko-KR" altLang="en-US" sz="1100" b="1" i="0" u="none" strike="noStrike" kern="1200" cap="none" spc="0" normalizeH="0" baseline="0" mc:Ignorable="hp" hp:hslEmbossed="0">
+                <a:solidFill>
+                  <a:srgbClr val="000000"/>
+                </a:solidFill>
+                <a:latin typeface="맑은 고딕"/>
+                <a:ea typeface="맑은 고딕"/>
+              </a:rPr>
+              <a:t> 자체로 넣을것</a:t>
+            </a:r>
+            <a:endParaRPr xmlns:mc="http://schemas.openxmlformats.org/markup-compatibility/2006" xmlns:hp="http://schemas.haansoft.com/office/presentation/8.0" kumimoji="0" lang="ko-KR" altLang="en-US" sz="1100" b="1" i="0" u="none" strike="noStrike" kern="1200" cap="none" spc="0" normalizeH="0" baseline="0" mc:Ignorable="hp" hp:hslEmbossed="0">
+              <a:solidFill>
+                <a:srgbClr val="000000"/>
+              </a:solidFill>
+              <a:latin typeface="맑은 고딕"/>
+              <a:ea typeface="맑은 고딕"/>
+            </a:endParaRPr>
+          </a:p>
+          <a:p>
+            <a:pPr marL="0" indent="0" algn="l" defTabSz="914400" rtl="0" eaLnBrk="1" latinLnBrk="1" hangingPunct="1">
+              <a:lnSpc>
+                <a:spcPct val="140000"/>
+              </a:lnSpc>
+              <a:spcBef>
+                <a:spcPct val="0"/>
+              </a:spcBef>
+              <a:spcAft>
+                <a:spcPts val="0"/>
+              </a:spcAft>
+              <a:buFont typeface="Arial"/>
+              <a:buFontTx/>
+              <a:buNone/>
+              <a:defRPr/>
+            </a:pPr>
+            <a:r>
+              <a:rPr xmlns:mc="http://schemas.openxmlformats.org/markup-compatibility/2006" xmlns:hp="http://schemas.haansoft.com/office/presentation/8.0" kumimoji="0" lang="en-US" altLang="ko-KR" sz="1100" b="1" i="0" u="none" strike="noStrike" kern="1200" cap="none" spc="0" normalizeH="0" baseline="0" mc:Ignorable="hp" hp:hslEmbossed="0">
+                <a:solidFill>
+                  <a:srgbClr val="000000"/>
+                </a:solidFill>
+                <a:latin typeface="맑은 고딕"/>
+                <a:ea typeface="맑은 고딕"/>
+              </a:rPr>
+              <a:t>3.</a:t>
+            </a:r>
+            <a:r>
+              <a:rPr xmlns:mc="http://schemas.openxmlformats.org/markup-compatibility/2006" xmlns:hp="http://schemas.haansoft.com/office/presentation/8.0" kumimoji="0" lang="ko-KR" altLang="en-US" sz="1100" b="1" i="0" u="none" strike="noStrike" kern="1200" cap="none" spc="0" normalizeH="0" baseline="0" mc:Ignorable="hp" hp:hslEmbossed="0">
+                <a:solidFill>
+                  <a:srgbClr val="000000"/>
+                </a:solidFill>
+                <a:latin typeface="맑은 고딕"/>
+                <a:ea typeface="맑은 고딕"/>
+              </a:rPr>
+              <a:t> 크기 </a:t>
+            </a:r>
+            <a:r>
+              <a:rPr xmlns:mc="http://schemas.openxmlformats.org/markup-compatibility/2006" xmlns:hp="http://schemas.haansoft.com/office/presentation/8.0" kumimoji="0" lang="en-US" altLang="ko-KR" sz="1100" b="1" i="0" u="none" strike="noStrike" kern="1200" cap="none" spc="0" normalizeH="0" baseline="0" mc:Ignorable="hp" hp:hslEmbossed="0">
+                <a:solidFill>
+                  <a:srgbClr val="000000"/>
+                </a:solidFill>
+                <a:latin typeface="맑은 고딕"/>
+                <a:ea typeface="맑은 고딕"/>
+              </a:rPr>
+              <a:t>:</a:t>
+            </a:r>
+            <a:r>
+              <a:rPr xmlns:mc="http://schemas.openxmlformats.org/markup-compatibility/2006" xmlns:hp="http://schemas.haansoft.com/office/presentation/8.0" kumimoji="0" lang="ko-KR" altLang="en-US" sz="1100" b="1" i="0" u="none" strike="noStrike" kern="1200" cap="none" spc="0" normalizeH="0" baseline="0" mc:Ignorable="hp" hp:hslEmbossed="0">
+                <a:solidFill>
+                  <a:srgbClr val="000000"/>
+                </a:solidFill>
+                <a:latin typeface="맑은 고딕"/>
+                <a:ea typeface="맑은 고딕"/>
+              </a:rPr>
+              <a:t> </a:t>
+            </a:r>
+            <a:endParaRPr xmlns:mc="http://schemas.openxmlformats.org/markup-compatibility/2006" xmlns:hp="http://schemas.haansoft.com/office/presentation/8.0" kumimoji="0" lang="ko-KR" altLang="en-US" sz="1100" b="1" i="0" u="none" strike="noStrike" kern="1200" cap="none" spc="0" normalizeH="0" baseline="0" mc:Ignorable="hp" hp:hslEmbossed="0">
+              <a:solidFill>
+                <a:srgbClr val="000000"/>
+              </a:solidFill>
+              <a:latin typeface="맑은 고딕"/>
+              <a:ea typeface="맑은 고딕"/>
+            </a:endParaRPr>
+          </a:p>
+        </p:txBody>
+      </p:sp>
+      <p:pic>
+        <p:nvPicPr>
+          <p:cNvPr id="41" name=""/>
+          <p:cNvPicPr>
+            <a:picLocks noChangeAspect="1"/>
+          </p:cNvPicPr>
+          <p:nvPr/>
+        </p:nvPicPr>
+        <p:blipFill rotWithShape="1">
+          <a:blip r:embed="rId4"/>
+          <a:stretch>
+            <a:fillRect/>
+          </a:stretch>
+        </p:blipFill>
+        <p:spPr>
+          <a:xfrm>
+            <a:off x="4071738" y="3429000"/>
+            <a:ext cx="2848372" cy="438211"/>
+          </a:xfrm>
+          <a:prstGeom prst="rect">
+            <a:avLst/>
+          </a:prstGeom>
+        </p:spPr>
+      </p:pic>
+      <p:sp>
+        <p:nvSpPr>
+          <p:cNvPr id="42" name="TextBox 4"/>
+          <p:cNvSpPr txBox="1">
+            <a:spLocks noChangeArrowheads="1"/>
+          </p:cNvSpPr>
+          <p:nvPr/>
+        </p:nvSpPr>
+        <p:spPr>
+          <a:xfrm>
+            <a:off x="4551308" y="3998913"/>
+            <a:ext cx="1921882" cy="1028381"/>
+          </a:xfrm>
+          <a:prstGeom prst="rect">
+            <a:avLst/>
+          </a:prstGeom>
+          <a:noFill/>
+          <a:ln>
+            <a:noFill/>
+          </a:ln>
+        </p:spPr>
+        <p:txBody>
+          <a:bodyPr wrap="none">
+            <a:spAutoFit/>
+          </a:bodyPr>
+          <a:p>
+            <a:pPr marL="0" indent="0" algn="l" defTabSz="914400" rtl="0" eaLnBrk="1" latinLnBrk="1" hangingPunct="1">
+              <a:lnSpc>
+                <a:spcPct val="140000"/>
+              </a:lnSpc>
+              <a:spcBef>
+                <a:spcPct val="0"/>
+              </a:spcBef>
+              <a:spcAft>
+                <a:spcPts val="0"/>
+              </a:spcAft>
+              <a:buFont typeface="Arial"/>
+              <a:buFontTx/>
+              <a:buNone/>
+              <a:defRPr/>
+            </a:pPr>
+            <a:r>
+              <a:rPr xmlns:mc="http://schemas.openxmlformats.org/markup-compatibility/2006" xmlns:hp="http://schemas.haansoft.com/office/presentation/8.0" kumimoji="0" lang="ko-KR" altLang="en-US" sz="1100" b="1" i="0" u="none" strike="noStrike" kern="1200" cap="none" spc="0" normalizeH="0" baseline="0" mc:Ignorable="hp" hp:hslEmbossed="0">
+                <a:solidFill>
+                  <a:srgbClr val="000000"/>
+                </a:solidFill>
+                <a:latin typeface="맑은 고딕"/>
+                <a:ea typeface="맑은 고딕"/>
+              </a:rPr>
+              <a:t>최근 학습 단어장 이동 버튼</a:t>
+            </a:r>
+            <a:endParaRPr xmlns:mc="http://schemas.openxmlformats.org/markup-compatibility/2006" xmlns:hp="http://schemas.haansoft.com/office/presentation/8.0" kumimoji="0" lang="ko-KR" altLang="en-US" sz="1100" b="1" i="0" u="none" strike="noStrike" kern="1200" cap="none" spc="0" normalizeH="0" baseline="0" mc:Ignorable="hp" hp:hslEmbossed="0">
+              <a:solidFill>
+                <a:srgbClr val="000000"/>
+              </a:solidFill>
+              <a:latin typeface="맑은 고딕"/>
+              <a:ea typeface="맑은 고딕"/>
+            </a:endParaRPr>
+          </a:p>
+          <a:p>
+            <a:pPr marL="0" indent="0" algn="l" defTabSz="914400" rtl="0" eaLnBrk="1" latinLnBrk="1" hangingPunct="1">
+              <a:lnSpc>
+                <a:spcPct val="140000"/>
+              </a:lnSpc>
+              <a:spcBef>
+                <a:spcPct val="0"/>
+              </a:spcBef>
+              <a:spcAft>
+                <a:spcPts val="0"/>
+              </a:spcAft>
+              <a:buFont typeface="Arial"/>
+              <a:buFontTx/>
+              <a:buNone/>
+              <a:defRPr/>
+            </a:pPr>
+            <a:r>
+              <a:rPr xmlns:mc="http://schemas.openxmlformats.org/markup-compatibility/2006" xmlns:hp="http://schemas.haansoft.com/office/presentation/8.0" kumimoji="0" lang="en-US" altLang="ko-KR" sz="1100" b="1" i="0" u="none" strike="noStrike" kern="1200" cap="none" spc="0" normalizeH="0" baseline="0" mc:Ignorable="hp" hp:hslEmbossed="0">
+                <a:solidFill>
+                  <a:srgbClr val="000000"/>
+                </a:solidFill>
+                <a:latin typeface="맑은 고딕"/>
+                <a:ea typeface="맑은 고딕"/>
+              </a:rPr>
+              <a:t>1.</a:t>
+            </a:r>
+            <a:r>
+              <a:rPr xmlns:mc="http://schemas.openxmlformats.org/markup-compatibility/2006" xmlns:hp="http://schemas.haansoft.com/office/presentation/8.0" kumimoji="0" lang="ko-KR" altLang="en-US" sz="1100" b="1" i="0" u="none" strike="noStrike" kern="1200" cap="none" spc="0" normalizeH="0" baseline="0" mc:Ignorable="hp" hp:hslEmbossed="0">
+                <a:solidFill>
+                  <a:srgbClr val="000000"/>
+                </a:solidFill>
+                <a:latin typeface="맑은 고딕"/>
+                <a:ea typeface="맑은 고딕"/>
+              </a:rPr>
+              <a:t> 전체 버튼 이미지</a:t>
+            </a:r>
+            <a:endParaRPr xmlns:mc="http://schemas.openxmlformats.org/markup-compatibility/2006" xmlns:hp="http://schemas.haansoft.com/office/presentation/8.0" kumimoji="0" lang="ko-KR" altLang="en-US" sz="1100" b="1" i="0" u="none" strike="noStrike" kern="1200" cap="none" spc="0" normalizeH="0" baseline="0" mc:Ignorable="hp" hp:hslEmbossed="0">
+              <a:solidFill>
+                <a:srgbClr val="000000"/>
+              </a:solidFill>
+              <a:latin typeface="맑은 고딕"/>
+              <a:ea typeface="맑은 고딕"/>
+            </a:endParaRPr>
+          </a:p>
+          <a:p>
+            <a:pPr marL="0" indent="0" algn="l" defTabSz="914400" rtl="0" eaLnBrk="1" latinLnBrk="1" hangingPunct="1">
+              <a:lnSpc>
+                <a:spcPct val="140000"/>
+              </a:lnSpc>
+              <a:spcBef>
+                <a:spcPct val="0"/>
+              </a:spcBef>
+              <a:spcAft>
+                <a:spcPts val="0"/>
+              </a:spcAft>
+              <a:buFont typeface="Arial"/>
+              <a:buFontTx/>
+              <a:buNone/>
+              <a:defRPr/>
+            </a:pPr>
+            <a:r>
+              <a:rPr xmlns:mc="http://schemas.openxmlformats.org/markup-compatibility/2006" xmlns:hp="http://schemas.haansoft.com/office/presentation/8.0" kumimoji="0" lang="en-US" altLang="ko-KR" sz="1100" b="1" i="0" u="none" strike="noStrike" kern="1200" cap="none" spc="0" normalizeH="0" baseline="0" mc:Ignorable="hp" hp:hslEmbossed="0">
+                <a:solidFill>
+                  <a:srgbClr val="000000"/>
+                </a:solidFill>
+                <a:latin typeface="맑은 고딕"/>
+                <a:ea typeface="맑은 고딕"/>
+              </a:rPr>
+              <a:t>2.</a:t>
+            </a:r>
+            <a:r>
+              <a:rPr xmlns:mc="http://schemas.openxmlformats.org/markup-compatibility/2006" xmlns:hp="http://schemas.haansoft.com/office/presentation/8.0" kumimoji="0" lang="ko-KR" altLang="en-US" sz="1100" b="1" i="0" u="none" strike="noStrike" kern="1200" cap="none" spc="0" normalizeH="0" baseline="0" mc:Ignorable="hp" hp:hslEmbossed="0">
+                <a:solidFill>
+                  <a:srgbClr val="000000"/>
+                </a:solidFill>
+                <a:latin typeface="맑은 고딕"/>
+                <a:ea typeface="맑은 고딕"/>
+              </a:rPr>
+              <a:t> 텍스트까지 이미지로</a:t>
+            </a:r>
+            <a:endParaRPr xmlns:mc="http://schemas.openxmlformats.org/markup-compatibility/2006" xmlns:hp="http://schemas.haansoft.com/office/presentation/8.0" kumimoji="0" lang="ko-KR" altLang="en-US" sz="1100" b="1" i="0" u="none" strike="noStrike" kern="1200" cap="none" spc="0" normalizeH="0" baseline="0" mc:Ignorable="hp" hp:hslEmbossed="0">
+              <a:solidFill>
+                <a:srgbClr val="000000"/>
+              </a:solidFill>
+              <a:latin typeface="맑은 고딕"/>
+              <a:ea typeface="맑은 고딕"/>
+            </a:endParaRPr>
+          </a:p>
+          <a:p>
+            <a:pPr marL="0" indent="0" algn="l" defTabSz="914400" rtl="0" eaLnBrk="1" latinLnBrk="1" hangingPunct="1">
+              <a:lnSpc>
+                <a:spcPct val="140000"/>
+              </a:lnSpc>
+              <a:spcBef>
+                <a:spcPct val="0"/>
+              </a:spcBef>
+              <a:spcAft>
+                <a:spcPts val="0"/>
+              </a:spcAft>
+              <a:buFont typeface="Arial"/>
+              <a:buFontTx/>
+              <a:buNone/>
+              <a:defRPr/>
+            </a:pPr>
+            <a:r>
+              <a:rPr xmlns:mc="http://schemas.openxmlformats.org/markup-compatibility/2006" xmlns:hp="http://schemas.haansoft.com/office/presentation/8.0" kumimoji="0" lang="en-US" altLang="ko-KR" sz="1100" b="1" i="0" u="none" strike="noStrike" kern="1200" cap="none" spc="0" normalizeH="0" baseline="0" mc:Ignorable="hp" hp:hslEmbossed="0">
+                <a:solidFill>
+                  <a:srgbClr val="000000"/>
+                </a:solidFill>
+                <a:latin typeface="맑은 고딕"/>
+                <a:ea typeface="맑은 고딕"/>
+              </a:rPr>
+              <a:t>3.</a:t>
+            </a:r>
+            <a:r>
+              <a:rPr xmlns:mc="http://schemas.openxmlformats.org/markup-compatibility/2006" xmlns:hp="http://schemas.haansoft.com/office/presentation/8.0" kumimoji="0" lang="ko-KR" altLang="en-US" sz="1100" b="1" i="0" u="none" strike="noStrike" kern="1200" cap="none" spc="0" normalizeH="0" baseline="0" mc:Ignorable="hp" hp:hslEmbossed="0">
+                <a:solidFill>
+                  <a:srgbClr val="000000"/>
+                </a:solidFill>
+                <a:latin typeface="맑은 고딕"/>
+                <a:ea typeface="맑은 고딕"/>
+              </a:rPr>
+              <a:t> 크기 </a:t>
+            </a:r>
+            <a:r>
+              <a:rPr xmlns:mc="http://schemas.openxmlformats.org/markup-compatibility/2006" xmlns:hp="http://schemas.haansoft.com/office/presentation/8.0" kumimoji="0" lang="en-US" altLang="ko-KR" sz="1100" b="1" i="0" u="none" strike="noStrike" kern="1200" cap="none" spc="0" normalizeH="0" baseline="0" mc:Ignorable="hp" hp:hslEmbossed="0">
+                <a:solidFill>
+                  <a:srgbClr val="000000"/>
+                </a:solidFill>
+                <a:latin typeface="맑은 고딕"/>
+                <a:ea typeface="맑은 고딕"/>
+              </a:rPr>
+              <a:t>:</a:t>
+            </a:r>
+            <a:r>
+              <a:rPr xmlns:mc="http://schemas.openxmlformats.org/markup-compatibility/2006" xmlns:hp="http://schemas.haansoft.com/office/presentation/8.0" kumimoji="0" lang="ko-KR" altLang="en-US" sz="1100" b="1" i="0" u="none" strike="noStrike" kern="1200" cap="none" spc="0" normalizeH="0" baseline="0" mc:Ignorable="hp" hp:hslEmbossed="0">
+                <a:solidFill>
+                  <a:srgbClr val="000000"/>
+                </a:solidFill>
+                <a:latin typeface="맑은 고딕"/>
+                <a:ea typeface="맑은 고딕"/>
+              </a:rPr>
+              <a:t> </a:t>
+            </a:r>
+            <a:endParaRPr xmlns:mc="http://schemas.openxmlformats.org/markup-compatibility/2006" xmlns:hp="http://schemas.haansoft.com/office/presentation/8.0" kumimoji="0" lang="ko-KR" altLang="en-US" sz="1100" b="1" i="0" u="none" strike="noStrike" kern="1200" cap="none" spc="0" normalizeH="0" baseline="0" mc:Ignorable="hp" hp:hslEmbossed="0">
+              <a:solidFill>
+                <a:srgbClr val="000000"/>
+              </a:solidFill>
+              <a:latin typeface="맑은 고딕"/>
+              <a:ea typeface="맑은 고딕"/>
+            </a:endParaRPr>
+          </a:p>
+        </p:txBody>
+      </p:sp>
     </p:spTree>
-    <p:extLst>
-      <p:ext uri="{BB962C8B-B14F-4D97-AF65-F5344CB8AC3E}">
-        <p14:creationId xmlns:p14="http://schemas.microsoft.com/office/powerpoint/2010/main" val="451395396"/>
-      </p:ext>
-    </p:extLst>
   </p:cSld>
   <p:clrMapOvr>
     <a:masterClrMapping/>
   </p:clrMapOvr>
+  <mc:AlternateContent xmlns:mc="http://schemas.openxmlformats.org/markup-compatibility/2006">
+    <mc:Choice xmlns:p14="http://schemas.microsoft.com/office/powerpoint/2010/main" Requires="p14">
+      <p:transition xmlns:mc="http://schemas.openxmlformats.org/markup-compatibility/2006" xmlns:p14="http://schemas.microsoft.com/office/powerpoint/2010/main" mc:Ignorable="p14" p14:dur="500"/>
+    </mc:Choice>
+    <mc:Fallback>
+      <p:transition/>
+    </mc:Fallback>
+  </mc:AlternateContent>
 </p:sld>
 </file>
 
@@ -13269,44 +13025,44 @@
 </file>
 
 <file path=ppt/theme/theme1.xml><?xml version="1.0" encoding="utf-8"?>
-<a:theme xmlns:a="http://schemas.openxmlformats.org/drawingml/2006/main" name="Office 테마">
+<a:theme xmlns:r="http://schemas.openxmlformats.org/officeDocument/2006/relationships" xmlns:c="http://schemas.openxmlformats.org/drawingml/2006/chart" xmlns:dgm="http://schemas.openxmlformats.org/drawingml/2006/diagram" xmlns:dsp="http://schemas.microsoft.com/office/drawing/2008/diagram" xmlns:a="http://schemas.openxmlformats.org/drawingml/2006/main" xmlns:pic="http://schemas.openxmlformats.org/drawingml/2006/picture" xmlns:wp="http://schemas.openxmlformats.org/drawingml/2006/wordprocessingDrawing" xmlns:xdr="http://schemas.openxmlformats.org/drawingml/2006/spreadsheetDrawing" xmlns:lc="http://schemas.openxmlformats.org/drawingml/2006/lockedCanvas" xmlns:p="http://schemas.openxmlformats.org/presentationml/2006/main" name="Office 테마">
   <a:themeElements>
     <a:clrScheme name="Office">
       <a:dk1>
         <a:sysClr val="windowText" lastClr="000000"/>
       </a:dk1>
       <a:lt1>
-        <a:sysClr val="window" lastClr="FFFFFF"/>
+        <a:sysClr val="window" lastClr="ffffff"/>
       </a:lt1>
       <a:dk2>
-        <a:srgbClr val="44546A"/>
+        <a:srgbClr val="44546a"/>
       </a:dk2>
       <a:lt2>
-        <a:srgbClr val="E7E6E6"/>
+        <a:srgbClr val="e7e6e6"/>
       </a:lt2>
       <a:accent1>
-        <a:srgbClr val="5B9BD5"/>
+        <a:srgbClr val="5b9bd5"/>
       </a:accent1>
       <a:accent2>
-        <a:srgbClr val="ED7D31"/>
+        <a:srgbClr val="ed7d31"/>
       </a:accent2>
       <a:accent3>
-        <a:srgbClr val="A5A5A5"/>
+        <a:srgbClr val="a5a5a5"/>
       </a:accent3>
       <a:accent4>
-        <a:srgbClr val="FFC000"/>
+        <a:srgbClr val="ffc000"/>
       </a:accent4>
       <a:accent5>
-        <a:srgbClr val="4472C4"/>
+        <a:srgbClr val="4472c4"/>
       </a:accent5>
       <a:accent6>
-        <a:srgbClr val="70AD47"/>
+        <a:srgbClr val="70ad47"/>
       </a:accent6>
       <a:hlink>
-        <a:srgbClr val="0563C1"/>
+        <a:srgbClr val="0563c1"/>
       </a:hlink>
       <a:folHlink>
-        <a:srgbClr val="954F72"/>
+        <a:srgbClr val="954f72"/>
       </a:folHlink>
     </a:clrScheme>
     <a:fontScheme name="Office">
@@ -13314,9 +13070,9 @@
         <a:latin typeface="맑은 고딕" panose="020F0302020204030204"/>
         <a:ea typeface=""/>
         <a:cs typeface=""/>
-        <a:font script="Jpan" typeface="ＭＳ Ｐゴシック"/>
+        <a:font script="Jpan" typeface="MS PGothic"/>
         <a:font script="Hang" typeface="맑은 고딕"/>
-        <a:font script="Hans" typeface="宋体"/>
+        <a:font script="Hans" typeface="SimSun"/>
         <a:font script="Hant" typeface="新細明體"/>
         <a:font script="Arab" typeface="Times New Roman"/>
         <a:font script="Hebr" typeface="Times New Roman"/>
@@ -13349,9 +13105,9 @@
         <a:latin typeface="맑은 고딕" panose="020F0502020204030204"/>
         <a:ea typeface=""/>
         <a:cs typeface=""/>
-        <a:font script="Jpan" typeface="ＭＳ Ｐゴシック"/>
+        <a:font script="Jpan" typeface="MS PGothic"/>
         <a:font script="Hang" typeface="맑은 고딕"/>
-        <a:font script="Hans" typeface="宋体"/>
+        <a:font script="Hans" typeface="SimSun"/>
         <a:font script="Hant" typeface="新細明體"/>
         <a:font script="Arab" typeface="Arial"/>
         <a:font script="Hebr" typeface="Arial"/>
@@ -13445,21 +13201,21 @@
             <a:schemeClr val="phClr"/>
           </a:solidFill>
           <a:prstDash val="solid"/>
-          <a:miter lim="800000"/>
+          <a:miter/>
         </a:ln>
         <a:ln w="12700" cap="flat" cmpd="sng" algn="ctr">
           <a:solidFill>
             <a:schemeClr val="phClr"/>
           </a:solidFill>
           <a:prstDash val="solid"/>
-          <a:miter lim="800000"/>
+          <a:miter/>
         </a:ln>
         <a:ln w="19050" cap="flat" cmpd="sng" algn="ctr">
           <a:solidFill>
             <a:schemeClr val="phClr"/>
           </a:solidFill>
           <a:prstDash val="solid"/>
-          <a:miter lim="800000"/>
+          <a:miter/>
         </a:ln>
       </a:lnStyleLst>
       <a:effectStyleLst>
@@ -13519,12 +13275,5 @@
       </a:bgFillStyleLst>
     </a:fmtScheme>
   </a:themeElements>
-  <a:objectDefaults/>
-  <a:extraClrSchemeLst/>
-  <a:extLst>
-    <a:ext uri="{05A4C25C-085E-4340-85A3-A5531E510DB2}">
-      <thm15:themeFamily xmlns:thm15="http://schemas.microsoft.com/office/thememl/2012/main" name="Office Theme" id="{62F939B6-93AF-4DB8-9C6B-D6C7DFDC589F}" vid="{4A3C46E8-61CC-4603-A589-7422A47A8E4A}"/>
-    </a:ext>
-  </a:extLst>
 </a:theme>
 </file>